--- a/勉強/クリーンアーキテクチャ/クリーンアーキテクチャ.pptx
+++ b/勉強/クリーンアーキテクチャ/クリーンアーキテクチャ.pptx
@@ -6,13 +6,16 @@
   </p:sldMasterIdLst>
   <p:sldIdLst>
     <p:sldId id="256" r:id="rId2"/>
-    <p:sldId id="257" r:id="rId3"/>
-    <p:sldId id="258" r:id="rId4"/>
-    <p:sldId id="259" r:id="rId5"/>
-    <p:sldId id="260" r:id="rId6"/>
-    <p:sldId id="263" r:id="rId7"/>
-    <p:sldId id="261" r:id="rId8"/>
-    <p:sldId id="262" r:id="rId9"/>
+    <p:sldId id="264" r:id="rId3"/>
+    <p:sldId id="265" r:id="rId4"/>
+    <p:sldId id="257" r:id="rId5"/>
+    <p:sldId id="258" r:id="rId6"/>
+    <p:sldId id="259" r:id="rId7"/>
+    <p:sldId id="260" r:id="rId8"/>
+    <p:sldId id="266" r:id="rId9"/>
+    <p:sldId id="263" r:id="rId10"/>
+    <p:sldId id="261" r:id="rId11"/>
+    <p:sldId id="262" r:id="rId12"/>
   </p:sldIdLst>
   <p:sldSz cx="12192000" cy="6858000"/>
   <p:notesSz cx="6858000" cy="9144000"/>
@@ -122,9 +125,492 @@
 <file path=ppt/revisionInfo.xml><?xml version="1.0" encoding="utf-8"?>
 <p1510:revInfo xmlns:a="http://schemas.openxmlformats.org/drawingml/2006/main" xmlns:r="http://schemas.openxmlformats.org/officeDocument/2006/relationships" xmlns:p1510="http://schemas.microsoft.com/office/powerpoint/2015/10/main">
   <p1510:revLst>
+    <p1510:client id="{8AA8E89F-1C47-4DD0-9BC3-6E08AB6F45AB}" v="112" dt="2023-05-07T14:33:19.645"/>
     <p1510:client id="{AC3884F0-6D8D-45D7-BA45-7FD28C692572}" v="500" dt="2023-04-27T15:55:02.360"/>
   </p1510:revLst>
 </p1510:revInfo>
+</file>
+
+<file path=ppt/changesInfos/changesInfo1.xml><?xml version="1.0" encoding="utf-8"?>
+<pc:chgInfo xmlns:a="http://schemas.openxmlformats.org/drawingml/2006/main" xmlns:r="http://schemas.openxmlformats.org/officeDocument/2006/relationships" xmlns:ac="http://schemas.microsoft.com/office/drawing/2013/main/command" xmlns:pc="http://schemas.microsoft.com/office/powerpoint/2013/main/command">
+  <pc:docChgLst>
+    <pc:chgData name="笠井 粋花" userId="d5e2976839a84816" providerId="Windows Live" clId="Web-{8AA8E89F-1C47-4DD0-9BC3-6E08AB6F45AB}"/>
+    <pc:docChg chg="addSld modSld sldOrd">
+      <pc:chgData name="笠井 粋花" userId="d5e2976839a84816" providerId="Windows Live" clId="Web-{8AA8E89F-1C47-4DD0-9BC3-6E08AB6F45AB}" dt="2023-05-07T14:33:19.645" v="80" actId="20577"/>
+      <pc:docMkLst>
+        <pc:docMk/>
+      </pc:docMkLst>
+      <pc:sldChg chg="addSp modSp">
+        <pc:chgData name="笠井 粋花" userId="d5e2976839a84816" providerId="Windows Live" clId="Web-{8AA8E89F-1C47-4DD0-9BC3-6E08AB6F45AB}" dt="2023-05-07T14:32:29.706" v="70" actId="20577"/>
+        <pc:sldMkLst>
+          <pc:docMk/>
+          <pc:sldMk cId="3050735707" sldId="258"/>
+        </pc:sldMkLst>
+        <pc:spChg chg="add mod">
+          <ac:chgData name="笠井 粋花" userId="d5e2976839a84816" providerId="Windows Live" clId="Web-{8AA8E89F-1C47-4DD0-9BC3-6E08AB6F45AB}" dt="2023-05-07T14:27:45.731" v="24" actId="14100"/>
+          <ac:spMkLst>
+            <pc:docMk/>
+            <pc:sldMk cId="3050735707" sldId="258"/>
+            <ac:spMk id="2" creationId="{994671E5-FAEE-4653-805A-F0EF68BB692A}"/>
+          </ac:spMkLst>
+        </pc:spChg>
+        <pc:spChg chg="add mod">
+          <ac:chgData name="笠井 粋花" userId="d5e2976839a84816" providerId="Windows Live" clId="Web-{8AA8E89F-1C47-4DD0-9BC3-6E08AB6F45AB}" dt="2023-05-07T14:27:57.106" v="27" actId="14100"/>
+          <ac:spMkLst>
+            <pc:docMk/>
+            <pc:sldMk cId="3050735707" sldId="258"/>
+            <ac:spMk id="3" creationId="{BAE59B55-69C2-2D02-CBB4-E40A59A73480}"/>
+          </ac:spMkLst>
+        </pc:spChg>
+        <pc:spChg chg="mod">
+          <ac:chgData name="笠井 粋花" userId="d5e2976839a84816" providerId="Windows Live" clId="Web-{8AA8E89F-1C47-4DD0-9BC3-6E08AB6F45AB}" dt="2023-05-07T14:26:13.932" v="15" actId="1076"/>
+          <ac:spMkLst>
+            <pc:docMk/>
+            <pc:sldMk cId="3050735707" sldId="258"/>
+            <ac:spMk id="7" creationId="{66FF9E38-5CC8-002D-1073-A74570E92E0F}"/>
+          </ac:spMkLst>
+        </pc:spChg>
+        <pc:spChg chg="mod">
+          <ac:chgData name="笠井 粋花" userId="d5e2976839a84816" providerId="Windows Live" clId="Web-{8AA8E89F-1C47-4DD0-9BC3-6E08AB6F45AB}" dt="2023-05-07T14:32:29.706" v="70" actId="20577"/>
+          <ac:spMkLst>
+            <pc:docMk/>
+            <pc:sldMk cId="3050735707" sldId="258"/>
+            <ac:spMk id="16" creationId="{9ABD0B2B-9FC0-FE22-D49B-A81FE86B8C7D}"/>
+          </ac:spMkLst>
+        </pc:spChg>
+      </pc:sldChg>
+      <pc:sldChg chg="addSp modSp">
+        <pc:chgData name="笠井 粋花" userId="d5e2976839a84816" providerId="Windows Live" clId="Web-{8AA8E89F-1C47-4DD0-9BC3-6E08AB6F45AB}" dt="2023-05-07T14:31:45.486" v="63"/>
+        <pc:sldMkLst>
+          <pc:docMk/>
+          <pc:sldMk cId="2166758431" sldId="259"/>
+        </pc:sldMkLst>
+        <pc:spChg chg="mod">
+          <ac:chgData name="笠井 粋花" userId="d5e2976839a84816" providerId="Windows Live" clId="Web-{8AA8E89F-1C47-4DD0-9BC3-6E08AB6F45AB}" dt="2023-05-07T14:31:36.111" v="62"/>
+          <ac:spMkLst>
+            <pc:docMk/>
+            <pc:sldMk cId="2166758431" sldId="259"/>
+            <ac:spMk id="5" creationId="{A17ED790-1A3D-A493-4CD4-89EBEADC7259}"/>
+          </ac:spMkLst>
+        </pc:spChg>
+        <pc:spChg chg="mod">
+          <ac:chgData name="笠井 粋花" userId="d5e2976839a84816" providerId="Windows Live" clId="Web-{8AA8E89F-1C47-4DD0-9BC3-6E08AB6F45AB}" dt="2023-05-07T14:31:07.423" v="57" actId="1076"/>
+          <ac:spMkLst>
+            <pc:docMk/>
+            <pc:sldMk cId="2166758431" sldId="259"/>
+            <ac:spMk id="6" creationId="{418B3A36-9CA0-A332-0B03-D1B0EBBB30BF}"/>
+          </ac:spMkLst>
+        </pc:spChg>
+        <pc:cxnChg chg="add mod">
+          <ac:chgData name="笠井 粋花" userId="d5e2976839a84816" providerId="Windows Live" clId="Web-{8AA8E89F-1C47-4DD0-9BC3-6E08AB6F45AB}" dt="2023-05-07T14:31:45.486" v="63"/>
+          <ac:cxnSpMkLst>
+            <pc:docMk/>
+            <pc:sldMk cId="2166758431" sldId="259"/>
+            <ac:cxnSpMk id="3" creationId="{50C9BBD2-C73B-8C85-5663-7484C73E1D0D}"/>
+          </ac:cxnSpMkLst>
+        </pc:cxnChg>
+      </pc:sldChg>
+      <pc:sldChg chg="add ord">
+        <pc:chgData name="笠井 粋花" userId="d5e2976839a84816" providerId="Windows Live" clId="Web-{8AA8E89F-1C47-4DD0-9BC3-6E08AB6F45AB}" dt="2023-05-07T14:22:47.567" v="1"/>
+        <pc:sldMkLst>
+          <pc:docMk/>
+          <pc:sldMk cId="3765451696" sldId="264"/>
+        </pc:sldMkLst>
+      </pc:sldChg>
+      <pc:sldChg chg="addSp modSp add">
+        <pc:chgData name="笠井 粋花" userId="d5e2976839a84816" providerId="Windows Live" clId="Web-{8AA8E89F-1C47-4DD0-9BC3-6E08AB6F45AB}" dt="2023-05-07T14:24:20.304" v="12" actId="1076"/>
+        <pc:sldMkLst>
+          <pc:docMk/>
+          <pc:sldMk cId="183265556" sldId="265"/>
+        </pc:sldMkLst>
+        <pc:spChg chg="add mod">
+          <ac:chgData name="笠井 粋花" userId="d5e2976839a84816" providerId="Windows Live" clId="Web-{8AA8E89F-1C47-4DD0-9BC3-6E08AB6F45AB}" dt="2023-05-07T14:23:58.975" v="10" actId="20577"/>
+          <ac:spMkLst>
+            <pc:docMk/>
+            <pc:sldMk cId="183265556" sldId="265"/>
+            <ac:spMk id="4" creationId="{4C65EA7E-8285-506F-A1B7-837FBDCA6F17}"/>
+          </ac:spMkLst>
+        </pc:spChg>
+        <pc:picChg chg="mod modCrop">
+          <ac:chgData name="笠井 粋花" userId="d5e2976839a84816" providerId="Windows Live" clId="Web-{8AA8E89F-1C47-4DD0-9BC3-6E08AB6F45AB}" dt="2023-05-07T14:24:20.304" v="12" actId="1076"/>
+          <ac:picMkLst>
+            <pc:docMk/>
+            <pc:sldMk cId="183265556" sldId="265"/>
+            <ac:picMk id="2" creationId="{8BC9D652-0621-79F6-39D5-54D0BA17A0AF}"/>
+          </ac:picMkLst>
+        </pc:picChg>
+      </pc:sldChg>
+      <pc:sldChg chg="modSp add replId">
+        <pc:chgData name="笠井 粋花" userId="d5e2976839a84816" providerId="Windows Live" clId="Web-{8AA8E89F-1C47-4DD0-9BC3-6E08AB6F45AB}" dt="2023-05-07T14:33:19.645" v="80" actId="20577"/>
+        <pc:sldMkLst>
+          <pc:docMk/>
+          <pc:sldMk cId="1302157902" sldId="266"/>
+        </pc:sldMkLst>
+        <pc:spChg chg="mod">
+          <ac:chgData name="笠井 粋花" userId="d5e2976839a84816" providerId="Windows Live" clId="Web-{8AA8E89F-1C47-4DD0-9BC3-6E08AB6F45AB}" dt="2023-05-07T14:33:19.645" v="80" actId="20577"/>
+          <ac:spMkLst>
+            <pc:docMk/>
+            <pc:sldMk cId="1302157902" sldId="266"/>
+            <ac:spMk id="2" creationId="{1A60CAE4-4F90-7919-47E6-46AB9784E264}"/>
+          </ac:spMkLst>
+        </pc:spChg>
+        <pc:spChg chg="mod">
+          <ac:chgData name="笠井 粋花" userId="d5e2976839a84816" providerId="Windows Live" clId="Web-{8AA8E89F-1C47-4DD0-9BC3-6E08AB6F45AB}" dt="2023-05-07T14:33:10.520" v="73" actId="20577"/>
+          <ac:spMkLst>
+            <pc:docMk/>
+            <pc:sldMk cId="1302157902" sldId="266"/>
+            <ac:spMk id="3" creationId="{EC76E50B-7621-BC7E-B456-38A6515212D2}"/>
+          </ac:spMkLst>
+        </pc:spChg>
+      </pc:sldChg>
+    </pc:docChg>
+  </pc:docChgLst>
+  <pc:docChgLst>
+    <pc:chgData name="笠井 粋花" userId="d5e2976839a84816" providerId="Windows Live" clId="Web-{AC3884F0-6D8D-45D7-BA45-7FD28C692572}"/>
+    <pc:docChg chg="addSld modSld sldOrd">
+      <pc:chgData name="笠井 粋花" userId="d5e2976839a84816" providerId="Windows Live" clId="Web-{AC3884F0-6D8D-45D7-BA45-7FD28C692572}" dt="2023-04-27T15:55:02.360" v="396" actId="20577"/>
+      <pc:docMkLst>
+        <pc:docMk/>
+      </pc:docMkLst>
+      <pc:sldChg chg="modSp">
+        <pc:chgData name="笠井 粋花" userId="d5e2976839a84816" providerId="Windows Live" clId="Web-{AC3884F0-6D8D-45D7-BA45-7FD28C692572}" dt="2023-04-27T13:25:03.500" v="1" actId="20577"/>
+        <pc:sldMkLst>
+          <pc:docMk/>
+          <pc:sldMk cId="2128380218" sldId="256"/>
+        </pc:sldMkLst>
+        <pc:spChg chg="mod">
+          <ac:chgData name="笠井 粋花" userId="d5e2976839a84816" providerId="Windows Live" clId="Web-{AC3884F0-6D8D-45D7-BA45-7FD28C692572}" dt="2023-04-27T13:25:03.500" v="1" actId="20577"/>
+          <ac:spMkLst>
+            <pc:docMk/>
+            <pc:sldMk cId="2128380218" sldId="256"/>
+            <ac:spMk id="2" creationId="{00000000-0000-0000-0000-000000000000}"/>
+          </ac:spMkLst>
+        </pc:spChg>
+      </pc:sldChg>
+      <pc:sldChg chg="addSp delSp modSp new">
+        <pc:chgData name="笠井 粋花" userId="d5e2976839a84816" providerId="Windows Live" clId="Web-{AC3884F0-6D8D-45D7-BA45-7FD28C692572}" dt="2023-04-27T13:30:28.882" v="33" actId="20577"/>
+        <pc:sldMkLst>
+          <pc:docMk/>
+          <pc:sldMk cId="776430921" sldId="257"/>
+        </pc:sldMkLst>
+        <pc:spChg chg="mod">
+          <ac:chgData name="笠井 粋花" userId="d5e2976839a84816" providerId="Windows Live" clId="Web-{AC3884F0-6D8D-45D7-BA45-7FD28C692572}" dt="2023-04-27T13:30:28.882" v="33" actId="20577"/>
+          <ac:spMkLst>
+            <pc:docMk/>
+            <pc:sldMk cId="776430921" sldId="257"/>
+            <ac:spMk id="2" creationId="{51F4AEA6-3D30-DC06-BD9B-45A6CD39B5C1}"/>
+          </ac:spMkLst>
+        </pc:spChg>
+        <pc:spChg chg="del">
+          <ac:chgData name="笠井 粋花" userId="d5e2976839a84816" providerId="Windows Live" clId="Web-{AC3884F0-6D8D-45D7-BA45-7FD28C692572}" dt="2023-04-27T13:27:26.597" v="3"/>
+          <ac:spMkLst>
+            <pc:docMk/>
+            <pc:sldMk cId="776430921" sldId="257"/>
+            <ac:spMk id="3" creationId="{742A0E5F-D49B-B241-A543-137D576AA7C1}"/>
+          </ac:spMkLst>
+        </pc:spChg>
+        <pc:spChg chg="add mod">
+          <ac:chgData name="笠井 粋花" userId="d5e2976839a84816" providerId="Windows Live" clId="Web-{AC3884F0-6D8D-45D7-BA45-7FD28C692572}" dt="2023-04-27T13:29:29.724" v="22" actId="1076"/>
+          <ac:spMkLst>
+            <pc:docMk/>
+            <pc:sldMk cId="776430921" sldId="257"/>
+            <ac:spMk id="6" creationId="{450C9E66-A283-C82D-C39D-2157E50597F7}"/>
+          </ac:spMkLst>
+        </pc:spChg>
+        <pc:spChg chg="add mod">
+          <ac:chgData name="笠井 粋花" userId="d5e2976839a84816" providerId="Windows Live" clId="Web-{AC3884F0-6D8D-45D7-BA45-7FD28C692572}" dt="2023-04-27T13:29:22.349" v="21" actId="1076"/>
+          <ac:spMkLst>
+            <pc:docMk/>
+            <pc:sldMk cId="776430921" sldId="257"/>
+            <ac:spMk id="7" creationId="{7ADB2CF6-261B-6A08-8A38-8C29E2F300DE}"/>
+          </ac:spMkLst>
+        </pc:spChg>
+        <pc:spChg chg="add mod">
+          <ac:chgData name="笠井 粋花" userId="d5e2976839a84816" providerId="Windows Live" clId="Web-{AC3884F0-6D8D-45D7-BA45-7FD28C692572}" dt="2023-04-27T13:29:45.037" v="28" actId="1076"/>
+          <ac:spMkLst>
+            <pc:docMk/>
+            <pc:sldMk cId="776430921" sldId="257"/>
+            <ac:spMk id="8" creationId="{8A75ADC9-8B39-A251-C91F-DDB9261781A5}"/>
+          </ac:spMkLst>
+        </pc:spChg>
+        <pc:spChg chg="add mod">
+          <ac:chgData name="笠井 粋花" userId="d5e2976839a84816" providerId="Windows Live" clId="Web-{AC3884F0-6D8D-45D7-BA45-7FD28C692572}" dt="2023-04-27T13:29:51.303" v="30" actId="1076"/>
+          <ac:spMkLst>
+            <pc:docMk/>
+            <pc:sldMk cId="776430921" sldId="257"/>
+            <ac:spMk id="9" creationId="{F0A9B58E-02A3-017F-5AE8-8281F58A18FD}"/>
+          </ac:spMkLst>
+        </pc:spChg>
+        <pc:picChg chg="add mod ord">
+          <ac:chgData name="笠井 粋花" userId="d5e2976839a84816" providerId="Windows Live" clId="Web-{AC3884F0-6D8D-45D7-BA45-7FD28C692572}" dt="2023-04-27T13:28:16.488" v="5" actId="1076"/>
+          <ac:picMkLst>
+            <pc:docMk/>
+            <pc:sldMk cId="776430921" sldId="257"/>
+            <ac:picMk id="4" creationId="{CCFF0031-41E9-78E7-5034-9D6FBD9A1A55}"/>
+          </ac:picMkLst>
+        </pc:picChg>
+        <pc:picChg chg="add mod">
+          <ac:chgData name="笠井 粋花" userId="d5e2976839a84816" providerId="Windows Live" clId="Web-{AC3884F0-6D8D-45D7-BA45-7FD28C692572}" dt="2023-04-27T13:28:24.004" v="8" actId="14100"/>
+          <ac:picMkLst>
+            <pc:docMk/>
+            <pc:sldMk cId="776430921" sldId="257"/>
+            <ac:picMk id="5" creationId="{5264B9C7-0B0F-0478-DE9B-E20779AD3BB7}"/>
+          </ac:picMkLst>
+        </pc:picChg>
+      </pc:sldChg>
+      <pc:sldChg chg="addSp delSp modSp new">
+        <pc:chgData name="笠井 粋花" userId="d5e2976839a84816" providerId="Windows Live" clId="Web-{AC3884F0-6D8D-45D7-BA45-7FD28C692572}" dt="2023-04-27T15:48:20.412" v="287" actId="20577"/>
+        <pc:sldMkLst>
+          <pc:docMk/>
+          <pc:sldMk cId="3050735707" sldId="258"/>
+        </pc:sldMkLst>
+        <pc:spChg chg="del">
+          <ac:chgData name="笠井 粋花" userId="d5e2976839a84816" providerId="Windows Live" clId="Web-{AC3884F0-6D8D-45D7-BA45-7FD28C692572}" dt="2023-04-27T15:19:12.916" v="44"/>
+          <ac:spMkLst>
+            <pc:docMk/>
+            <pc:sldMk cId="3050735707" sldId="258"/>
+            <ac:spMk id="2" creationId="{7566F29A-AB4A-2C55-BB3B-8352805CF64C}"/>
+          </ac:spMkLst>
+        </pc:spChg>
+        <pc:spChg chg="del">
+          <ac:chgData name="笠井 粋花" userId="d5e2976839a84816" providerId="Windows Live" clId="Web-{AC3884F0-6D8D-45D7-BA45-7FD28C692572}" dt="2023-04-27T15:18:32.243" v="35"/>
+          <ac:spMkLst>
+            <pc:docMk/>
+            <pc:sldMk cId="3050735707" sldId="258"/>
+            <ac:spMk id="3" creationId="{3E8C409B-4DA0-35AE-BABE-EACDA5BB3FA8}"/>
+          </ac:spMkLst>
+        </pc:spChg>
+        <pc:spChg chg="add mod">
+          <ac:chgData name="笠井 粋花" userId="d5e2976839a84816" providerId="Windows Live" clId="Web-{AC3884F0-6D8D-45D7-BA45-7FD28C692572}" dt="2023-04-27T15:20:05.620" v="62" actId="1076"/>
+          <ac:spMkLst>
+            <pc:docMk/>
+            <pc:sldMk cId="3050735707" sldId="258"/>
+            <ac:spMk id="7" creationId="{66FF9E38-5CC8-002D-1073-A74570E92E0F}"/>
+          </ac:spMkLst>
+        </pc:spChg>
+        <pc:spChg chg="add mod">
+          <ac:chgData name="笠井 粋花" userId="d5e2976839a84816" providerId="Windows Live" clId="Web-{AC3884F0-6D8D-45D7-BA45-7FD28C692572}" dt="2023-04-27T15:19:50.901" v="57" actId="1076"/>
+          <ac:spMkLst>
+            <pc:docMk/>
+            <pc:sldMk cId="3050735707" sldId="258"/>
+            <ac:spMk id="9" creationId="{B1CEADA4-9C16-233D-782F-87640805D28C}"/>
+          </ac:spMkLst>
+        </pc:spChg>
+        <pc:spChg chg="add mod">
+          <ac:chgData name="笠井 粋花" userId="d5e2976839a84816" providerId="Windows Live" clId="Web-{AC3884F0-6D8D-45D7-BA45-7FD28C692572}" dt="2023-04-27T15:20:00.979" v="61" actId="1076"/>
+          <ac:spMkLst>
+            <pc:docMk/>
+            <pc:sldMk cId="3050735707" sldId="258"/>
+            <ac:spMk id="11" creationId="{7773A36E-A053-E8FE-AA0B-AAD5587057EA}"/>
+          </ac:spMkLst>
+        </pc:spChg>
+        <pc:spChg chg="add mod">
+          <ac:chgData name="笠井 粋花" userId="d5e2976839a84816" providerId="Windows Live" clId="Web-{AC3884F0-6D8D-45D7-BA45-7FD28C692572}" dt="2023-04-27T15:19:55.339" v="60" actId="1076"/>
+          <ac:spMkLst>
+            <pc:docMk/>
+            <pc:sldMk cId="3050735707" sldId="258"/>
+            <ac:spMk id="13" creationId="{40C1AB52-A309-1FD1-7792-05790ED99AA7}"/>
+          </ac:spMkLst>
+        </pc:spChg>
+        <pc:spChg chg="add mod">
+          <ac:chgData name="笠井 粋花" userId="d5e2976839a84816" providerId="Windows Live" clId="Web-{AC3884F0-6D8D-45D7-BA45-7FD28C692572}" dt="2023-04-27T15:48:20.412" v="287" actId="20577"/>
+          <ac:spMkLst>
+            <pc:docMk/>
+            <pc:sldMk cId="3050735707" sldId="258"/>
+            <ac:spMk id="16" creationId="{9ABD0B2B-9FC0-FE22-D49B-A81FE86B8C7D}"/>
+          </ac:spMkLst>
+        </pc:spChg>
+        <pc:picChg chg="add mod ord">
+          <ac:chgData name="笠井 粋花" userId="d5e2976839a84816" providerId="Windows Live" clId="Web-{AC3884F0-6D8D-45D7-BA45-7FD28C692572}" dt="2023-04-27T15:19:33.151" v="51" actId="1076"/>
+          <ac:picMkLst>
+            <pc:docMk/>
+            <pc:sldMk cId="3050735707" sldId="258"/>
+            <ac:picMk id="4" creationId="{1698F30E-34BD-4294-F403-BE18CAD4ED93}"/>
+          </ac:picMkLst>
+        </pc:picChg>
+        <pc:picChg chg="add mod">
+          <ac:chgData name="笠井 粋花" userId="d5e2976839a84816" providerId="Windows Live" clId="Web-{AC3884F0-6D8D-45D7-BA45-7FD28C692572}" dt="2023-04-27T15:19:29.026" v="50" actId="1076"/>
+          <ac:picMkLst>
+            <pc:docMk/>
+            <pc:sldMk cId="3050735707" sldId="258"/>
+            <ac:picMk id="5" creationId="{C7876E1E-5027-5CA7-F962-466C271F82BB}"/>
+          </ac:picMkLst>
+        </pc:picChg>
+        <pc:picChg chg="add mod modCrop">
+          <ac:chgData name="笠井 粋花" userId="d5e2976839a84816" providerId="Windows Live" clId="Web-{AC3884F0-6D8D-45D7-BA45-7FD28C692572}" dt="2023-04-27T15:38:52.444" v="244" actId="14100"/>
+          <ac:picMkLst>
+            <pc:docMk/>
+            <pc:sldMk cId="3050735707" sldId="258"/>
+            <ac:picMk id="15" creationId="{9AECAA7A-43BB-195C-B144-BC533CCC8B15}"/>
+          </ac:picMkLst>
+        </pc:picChg>
+      </pc:sldChg>
+      <pc:sldChg chg="addSp delSp modSp new">
+        <pc:chgData name="笠井 粋花" userId="d5e2976839a84816" providerId="Windows Live" clId="Web-{AC3884F0-6D8D-45D7-BA45-7FD28C692572}" dt="2023-04-27T15:52:44.966" v="363" actId="20577"/>
+        <pc:sldMkLst>
+          <pc:docMk/>
+          <pc:sldMk cId="2166758431" sldId="259"/>
+        </pc:sldMkLst>
+        <pc:spChg chg="mod">
+          <ac:chgData name="笠井 粋花" userId="d5e2976839a84816" providerId="Windows Live" clId="Web-{AC3884F0-6D8D-45D7-BA45-7FD28C692572}" dt="2023-04-27T15:21:06.512" v="64" actId="20577"/>
+          <ac:spMkLst>
+            <pc:docMk/>
+            <pc:sldMk cId="2166758431" sldId="259"/>
+            <ac:spMk id="2" creationId="{067FB4D0-94C0-E006-FBD9-914C905E1286}"/>
+          </ac:spMkLst>
+        </pc:spChg>
+        <pc:spChg chg="del">
+          <ac:chgData name="笠井 粋花" userId="d5e2976839a84816" providerId="Windows Live" clId="Web-{AC3884F0-6D8D-45D7-BA45-7FD28C692572}" dt="2023-04-27T15:21:08.872" v="65"/>
+          <ac:spMkLst>
+            <pc:docMk/>
+            <pc:sldMk cId="2166758431" sldId="259"/>
+            <ac:spMk id="3" creationId="{7933D6BF-FF42-4C3B-37E4-9064947A7773}"/>
+          </ac:spMkLst>
+        </pc:spChg>
+        <pc:spChg chg="add mod">
+          <ac:chgData name="笠井 粋花" userId="d5e2976839a84816" providerId="Windows Live" clId="Web-{AC3884F0-6D8D-45D7-BA45-7FD28C692572}" dt="2023-04-27T15:22:03.904" v="74"/>
+          <ac:spMkLst>
+            <pc:docMk/>
+            <pc:sldMk cId="2166758431" sldId="259"/>
+            <ac:spMk id="5" creationId="{A17ED790-1A3D-A493-4CD4-89EBEADC7259}"/>
+          </ac:spMkLst>
+        </pc:spChg>
+        <pc:spChg chg="add mod">
+          <ac:chgData name="笠井 粋花" userId="d5e2976839a84816" providerId="Windows Live" clId="Web-{AC3884F0-6D8D-45D7-BA45-7FD28C692572}" dt="2023-04-27T15:52:44.966" v="363" actId="20577"/>
+          <ac:spMkLst>
+            <pc:docMk/>
+            <pc:sldMk cId="2166758431" sldId="259"/>
+            <ac:spMk id="6" creationId="{418B3A36-9CA0-A332-0B03-D1B0EBBB30BF}"/>
+          </ac:spMkLst>
+        </pc:spChg>
+        <pc:picChg chg="add mod ord">
+          <ac:chgData name="笠井 粋花" userId="d5e2976839a84816" providerId="Windows Live" clId="Web-{AC3884F0-6D8D-45D7-BA45-7FD28C692572}" dt="2023-04-27T15:21:26.700" v="71" actId="1076"/>
+          <ac:picMkLst>
+            <pc:docMk/>
+            <pc:sldMk cId="2166758431" sldId="259"/>
+            <ac:picMk id="4" creationId="{3890367E-3D43-1388-1225-51668DB69DC6}"/>
+          </ac:picMkLst>
+        </pc:picChg>
+      </pc:sldChg>
+      <pc:sldChg chg="addSp delSp modSp new">
+        <pc:chgData name="笠井 粋花" userId="d5e2976839a84816" providerId="Windows Live" clId="Web-{AC3884F0-6D8D-45D7-BA45-7FD28C692572}" dt="2023-04-27T15:55:02.360" v="396" actId="20577"/>
+        <pc:sldMkLst>
+          <pc:docMk/>
+          <pc:sldMk cId="1172268997" sldId="260"/>
+        </pc:sldMkLst>
+        <pc:spChg chg="mod">
+          <ac:chgData name="笠井 粋花" userId="d5e2976839a84816" providerId="Windows Live" clId="Web-{AC3884F0-6D8D-45D7-BA45-7FD28C692572}" dt="2023-04-27T15:32:18.435" v="201" actId="20577"/>
+          <ac:spMkLst>
+            <pc:docMk/>
+            <pc:sldMk cId="1172268997" sldId="260"/>
+            <ac:spMk id="2" creationId="{1A60CAE4-4F90-7919-47E6-46AB9784E264}"/>
+          </ac:spMkLst>
+        </pc:spChg>
+        <pc:spChg chg="mod">
+          <ac:chgData name="笠井 粋花" userId="d5e2976839a84816" providerId="Windows Live" clId="Web-{AC3884F0-6D8D-45D7-BA45-7FD28C692572}" dt="2023-04-27T15:55:02.360" v="396" actId="20577"/>
+          <ac:spMkLst>
+            <pc:docMk/>
+            <pc:sldMk cId="1172268997" sldId="260"/>
+            <ac:spMk id="3" creationId="{EC76E50B-7621-BC7E-B456-38A6515212D2}"/>
+          </ac:spMkLst>
+        </pc:spChg>
+        <pc:picChg chg="add del mod">
+          <ac:chgData name="笠井 粋花" userId="d5e2976839a84816" providerId="Windows Live" clId="Web-{AC3884F0-6D8D-45D7-BA45-7FD28C692572}" dt="2023-04-27T15:53:21.170" v="367"/>
+          <ac:picMkLst>
+            <pc:docMk/>
+            <pc:sldMk cId="1172268997" sldId="260"/>
+            <ac:picMk id="5" creationId="{8C9CAA3C-715F-D048-3DEC-A2FE42B9B80F}"/>
+          </ac:picMkLst>
+        </pc:picChg>
+      </pc:sldChg>
+      <pc:sldChg chg="modSp new">
+        <pc:chgData name="笠井 粋花" userId="d5e2976839a84816" providerId="Windows Live" clId="Web-{AC3884F0-6D8D-45D7-BA45-7FD28C692572}" dt="2023-04-27T15:36:17.253" v="214" actId="20577"/>
+        <pc:sldMkLst>
+          <pc:docMk/>
+          <pc:sldMk cId="1935174102" sldId="261"/>
+        </pc:sldMkLst>
+        <pc:spChg chg="mod">
+          <ac:chgData name="笠井 粋花" userId="d5e2976839a84816" providerId="Windows Live" clId="Web-{AC3884F0-6D8D-45D7-BA45-7FD28C692572}" dt="2023-04-27T15:36:04.065" v="210" actId="20577"/>
+          <ac:spMkLst>
+            <pc:docMk/>
+            <pc:sldMk cId="1935174102" sldId="261"/>
+            <ac:spMk id="2" creationId="{4906BCC5-11C7-25E5-B0A0-04F3ABAEA091}"/>
+          </ac:spMkLst>
+        </pc:spChg>
+        <pc:spChg chg="mod">
+          <ac:chgData name="笠井 粋花" userId="d5e2976839a84816" providerId="Windows Live" clId="Web-{AC3884F0-6D8D-45D7-BA45-7FD28C692572}" dt="2023-04-27T15:36:17.253" v="214" actId="20577"/>
+          <ac:spMkLst>
+            <pc:docMk/>
+            <pc:sldMk cId="1935174102" sldId="261"/>
+            <ac:spMk id="3" creationId="{9BE50723-2CF5-4D30-1365-20B66C73649F}"/>
+          </ac:spMkLst>
+        </pc:spChg>
+      </pc:sldChg>
+      <pc:sldChg chg="modSp new ord">
+        <pc:chgData name="笠井 粋花" userId="d5e2976839a84816" providerId="Windows Live" clId="Web-{AC3884F0-6D8D-45D7-BA45-7FD28C692572}" dt="2023-04-27T15:47:34.926" v="284" actId="20577"/>
+        <pc:sldMkLst>
+          <pc:docMk/>
+          <pc:sldMk cId="297399293" sldId="262"/>
+        </pc:sldMkLst>
+        <pc:spChg chg="mod">
+          <ac:chgData name="笠井 粋花" userId="d5e2976839a84816" providerId="Windows Live" clId="Web-{AC3884F0-6D8D-45D7-BA45-7FD28C692572}" dt="2023-04-27T15:47:34.926" v="284" actId="20577"/>
+          <ac:spMkLst>
+            <pc:docMk/>
+            <pc:sldMk cId="297399293" sldId="262"/>
+            <ac:spMk id="2" creationId="{A6D6F511-3A1C-C65A-0C81-013946E96316}"/>
+          </ac:spMkLst>
+        </pc:spChg>
+      </pc:sldChg>
+      <pc:sldChg chg="addSp delSp modSp new ord">
+        <pc:chgData name="笠井 粋花" userId="d5e2976839a84816" providerId="Windows Live" clId="Web-{AC3884F0-6D8D-45D7-BA45-7FD28C692572}" dt="2023-04-27T15:51:41.245" v="349"/>
+        <pc:sldMkLst>
+          <pc:docMk/>
+          <pc:sldMk cId="3882919582" sldId="263"/>
+        </pc:sldMkLst>
+        <pc:spChg chg="mod">
+          <ac:chgData name="笠井 粋花" userId="d5e2976839a84816" providerId="Windows Live" clId="Web-{AC3884F0-6D8D-45D7-BA45-7FD28C692572}" dt="2023-04-27T15:48:38.100" v="291" actId="20577"/>
+          <ac:spMkLst>
+            <pc:docMk/>
+            <pc:sldMk cId="3882919582" sldId="263"/>
+            <ac:spMk id="2" creationId="{4DEF5E52-F92F-6197-5B5E-0BC1B51A0F0C}"/>
+          </ac:spMkLst>
+        </pc:spChg>
+        <pc:spChg chg="del">
+          <ac:chgData name="笠井 粋花" userId="d5e2976839a84816" providerId="Windows Live" clId="Web-{AC3884F0-6D8D-45D7-BA45-7FD28C692572}" dt="2023-04-27T15:49:28.164" v="301"/>
+          <ac:spMkLst>
+            <pc:docMk/>
+            <pc:sldMk cId="3882919582" sldId="263"/>
+            <ac:spMk id="3" creationId="{5271F05C-B5C7-8F1D-382F-1FACFCC0D049}"/>
+          </ac:spMkLst>
+        </pc:spChg>
+        <pc:spChg chg="add mod">
+          <ac:chgData name="笠井 粋花" userId="d5e2976839a84816" providerId="Windows Live" clId="Web-{AC3884F0-6D8D-45D7-BA45-7FD28C692572}" dt="2023-04-27T15:49:24.023" v="300"/>
+          <ac:spMkLst>
+            <pc:docMk/>
+            <pc:sldMk cId="3882919582" sldId="263"/>
+            <ac:spMk id="6" creationId="{EAF5966A-1668-7B9C-7079-D2CAFEAF540C}"/>
+          </ac:spMkLst>
+        </pc:spChg>
+        <pc:spChg chg="add mod">
+          <ac:chgData name="笠井 粋花" userId="d5e2976839a84816" providerId="Windows Live" clId="Web-{AC3884F0-6D8D-45D7-BA45-7FD28C692572}" dt="2023-04-27T15:51:26.823" v="348" actId="20577"/>
+          <ac:spMkLst>
+            <pc:docMk/>
+            <pc:sldMk cId="3882919582" sldId="263"/>
+            <ac:spMk id="7" creationId="{F8F2B2BC-DF90-4D81-0956-05FE10E2FCB3}"/>
+          </ac:spMkLst>
+        </pc:spChg>
+        <pc:picChg chg="add mod">
+          <ac:chgData name="笠井 粋花" userId="d5e2976839a84816" providerId="Windows Live" clId="Web-{AC3884F0-6D8D-45D7-BA45-7FD28C692572}" dt="2023-04-27T15:48:46.554" v="294" actId="14100"/>
+          <ac:picMkLst>
+            <pc:docMk/>
+            <pc:sldMk cId="3882919582" sldId="263"/>
+            <ac:picMk id="5" creationId="{51D04962-B78C-71DE-3BA2-D7ADCEA94A80}"/>
+          </ac:picMkLst>
+        </pc:picChg>
+      </pc:sldChg>
+    </pc:docChg>
+  </pc:docChgLst>
+</pc:chgInfo>
 </file>
 
 <file path=ppt/slideLayouts/slideLayout1.xml><?xml version="1.0" encoding="utf-8"?>
@@ -256,7 +742,7 @@
           <a:p>
             <a:fld id="{0E02A643-9BB0-4E02-80B2-2C0A5E5D738E}" type="datetimeFigureOut">
               <a:rPr kumimoji="1" lang="ja-JP" altLang="en-US" smtClean="0"/>
-              <a:t>2023/4/27</a:t>
+              <a:t>2023/5/7</a:t>
             </a:fld>
             <a:endParaRPr kumimoji="1" lang="ja-JP" altLang="en-US"/>
           </a:p>
@@ -456,7 +942,7 @@
           <a:p>
             <a:fld id="{0E02A643-9BB0-4E02-80B2-2C0A5E5D738E}" type="datetimeFigureOut">
               <a:rPr kumimoji="1" lang="ja-JP" altLang="en-US" smtClean="0"/>
-              <a:t>2023/4/27</a:t>
+              <a:t>2023/5/7</a:t>
             </a:fld>
             <a:endParaRPr kumimoji="1" lang="ja-JP" altLang="en-US"/>
           </a:p>
@@ -666,7 +1152,7 @@
           <a:p>
             <a:fld id="{0E02A643-9BB0-4E02-80B2-2C0A5E5D738E}" type="datetimeFigureOut">
               <a:rPr kumimoji="1" lang="ja-JP" altLang="en-US" smtClean="0"/>
-              <a:t>2023/4/27</a:t>
+              <a:t>2023/5/7</a:t>
             </a:fld>
             <a:endParaRPr kumimoji="1" lang="ja-JP" altLang="en-US"/>
           </a:p>
@@ -866,7 +1352,7 @@
           <a:p>
             <a:fld id="{0E02A643-9BB0-4E02-80B2-2C0A5E5D738E}" type="datetimeFigureOut">
               <a:rPr kumimoji="1" lang="ja-JP" altLang="en-US" smtClean="0"/>
-              <a:t>2023/4/27</a:t>
+              <a:t>2023/5/7</a:t>
             </a:fld>
             <a:endParaRPr kumimoji="1" lang="ja-JP" altLang="en-US"/>
           </a:p>
@@ -1111,7 +1597,7 @@
           <a:p>
             <a:fld id="{0E02A643-9BB0-4E02-80B2-2C0A5E5D738E}" type="datetimeFigureOut">
               <a:rPr kumimoji="1" lang="ja-JP" altLang="en-US" smtClean="0"/>
-              <a:t>2023/4/27</a:t>
+              <a:t>2023/5/7</a:t>
             </a:fld>
             <a:endParaRPr kumimoji="1" lang="ja-JP" altLang="en-US"/>
           </a:p>
@@ -1404,7 +1890,7 @@
           <a:p>
             <a:fld id="{0E02A643-9BB0-4E02-80B2-2C0A5E5D738E}" type="datetimeFigureOut">
               <a:rPr kumimoji="1" lang="ja-JP" altLang="en-US" smtClean="0"/>
-              <a:t>2023/4/27</a:t>
+              <a:t>2023/5/7</a:t>
             </a:fld>
             <a:endParaRPr kumimoji="1" lang="ja-JP" altLang="en-US"/>
           </a:p>
@@ -1832,7 +2318,7 @@
           <a:p>
             <a:fld id="{0E02A643-9BB0-4E02-80B2-2C0A5E5D738E}" type="datetimeFigureOut">
               <a:rPr kumimoji="1" lang="ja-JP" altLang="en-US" smtClean="0"/>
-              <a:t>2023/4/27</a:t>
+              <a:t>2023/5/7</a:t>
             </a:fld>
             <a:endParaRPr kumimoji="1" lang="ja-JP" altLang="en-US"/>
           </a:p>
@@ -1949,7 +2435,7 @@
           <a:p>
             <a:fld id="{0E02A643-9BB0-4E02-80B2-2C0A5E5D738E}" type="datetimeFigureOut">
               <a:rPr kumimoji="1" lang="ja-JP" altLang="en-US" smtClean="0"/>
-              <a:t>2023/4/27</a:t>
+              <a:t>2023/5/7</a:t>
             </a:fld>
             <a:endParaRPr kumimoji="1" lang="ja-JP" altLang="en-US"/>
           </a:p>
@@ -2044,7 +2530,7 @@
           <a:p>
             <a:fld id="{0E02A643-9BB0-4E02-80B2-2C0A5E5D738E}" type="datetimeFigureOut">
               <a:rPr kumimoji="1" lang="ja-JP" altLang="en-US" smtClean="0"/>
-              <a:t>2023/4/27</a:t>
+              <a:t>2023/5/7</a:t>
             </a:fld>
             <a:endParaRPr kumimoji="1" lang="ja-JP" altLang="en-US"/>
           </a:p>
@@ -2351,7 +2837,7 @@
           <a:p>
             <a:fld id="{0E02A643-9BB0-4E02-80B2-2C0A5E5D738E}" type="datetimeFigureOut">
               <a:rPr kumimoji="1" lang="ja-JP" altLang="en-US" smtClean="0"/>
-              <a:t>2023/4/27</a:t>
+              <a:t>2023/5/7</a:t>
             </a:fld>
             <a:endParaRPr kumimoji="1" lang="ja-JP" altLang="en-US"/>
           </a:p>
@@ -2603,7 +3089,7 @@
           <a:p>
             <a:fld id="{0E02A643-9BB0-4E02-80B2-2C0A5E5D738E}" type="datetimeFigureOut">
               <a:rPr kumimoji="1" lang="ja-JP" altLang="en-US" smtClean="0"/>
-              <a:t>2023/4/27</a:t>
+              <a:t>2023/5/7</a:t>
             </a:fld>
             <a:endParaRPr kumimoji="1" lang="ja-JP" altLang="en-US"/>
           </a:p>
@@ -2846,7 +3332,7 @@
           <a:p>
             <a:fld id="{0E02A643-9BB0-4E02-80B2-2C0A5E5D738E}" type="datetimeFigureOut">
               <a:rPr kumimoji="1" lang="ja-JP" altLang="en-US" smtClean="0"/>
-              <a:t>2023/4/27</a:t>
+              <a:t>2023/5/7</a:t>
             </a:fld>
             <a:endParaRPr kumimoji="1" lang="ja-JP" altLang="en-US"/>
           </a:p>
@@ -3309,7 +3795,1121 @@
 </p:sld>
 </file>
 
+<file path=ppt/slides/slide10.xml><?xml version="1.0" encoding="utf-8"?>
+<p:sld xmlns:a="http://schemas.openxmlformats.org/drawingml/2006/main" xmlns:r="http://schemas.openxmlformats.org/officeDocument/2006/relationships" xmlns:p="http://schemas.openxmlformats.org/presentationml/2006/main">
+  <p:cSld>
+    <p:spTree>
+      <p:nvGrpSpPr>
+        <p:cNvPr id="1" name=""/>
+        <p:cNvGrpSpPr/>
+        <p:nvPr/>
+      </p:nvGrpSpPr>
+      <p:grpSpPr>
+        <a:xfrm>
+          <a:off x="0" y="0"/>
+          <a:ext cx="0" cy="0"/>
+          <a:chOff x="0" y="0"/>
+          <a:chExt cx="0" cy="0"/>
+        </a:xfrm>
+      </p:grpSpPr>
+      <p:sp>
+        <p:nvSpPr>
+          <p:cNvPr id="2" name="タイトル 1">
+            <a:extLst>
+              <a:ext uri="{FF2B5EF4-FFF2-40B4-BE49-F238E27FC236}">
+                <a16:creationId xmlns:a16="http://schemas.microsoft.com/office/drawing/2014/main" id="{4906BCC5-11C7-25E5-B0A0-04F3ABAEA091}"/>
+              </a:ext>
+            </a:extLst>
+          </p:cNvPr>
+          <p:cNvSpPr>
+            <a:spLocks noGrp="1"/>
+          </p:cNvSpPr>
+          <p:nvPr>
+            <p:ph type="title"/>
+          </p:nvPr>
+        </p:nvSpPr>
+        <p:spPr/>
+        <p:txBody>
+          <a:bodyPr/>
+          <a:lstStyle/>
+          <a:p>
+            <a:r>
+              <a:rPr lang="ja-JP" altLang="en-US">
+                <a:ea typeface="ＭＳ Ｐゴシック"/>
+                <a:cs typeface="Calibri Light"/>
+              </a:rPr>
+              <a:t>Viewとのつながり</a:t>
+            </a:r>
+          </a:p>
+        </p:txBody>
+      </p:sp>
+      <p:sp>
+        <p:nvSpPr>
+          <p:cNvPr id="3" name="コンテンツ プレースホルダー 2">
+            <a:extLst>
+              <a:ext uri="{FF2B5EF4-FFF2-40B4-BE49-F238E27FC236}">
+                <a16:creationId xmlns:a16="http://schemas.microsoft.com/office/drawing/2014/main" id="{9BE50723-2CF5-4D30-1365-20B66C73649F}"/>
+              </a:ext>
+            </a:extLst>
+          </p:cNvPr>
+          <p:cNvSpPr>
+            <a:spLocks noGrp="1"/>
+          </p:cNvSpPr>
+          <p:nvPr>
+            <p:ph idx="1"/>
+          </p:nvPr>
+        </p:nvSpPr>
+        <p:spPr/>
+        <p:txBody>
+          <a:bodyPr vert="horz" lIns="91440" tIns="45720" rIns="91440" bIns="45720" rtlCol="0" anchor="t">
+            <a:normAutofit/>
+          </a:bodyPr>
+          <a:lstStyle/>
+          <a:p>
+            <a:r>
+              <a:rPr lang="ja-JP" altLang="en-US">
+                <a:ea typeface="ＭＳ Ｐゴシック"/>
+                <a:cs typeface="Calibri"/>
+              </a:rPr>
+              <a:t>わからない</a:t>
+            </a:r>
+          </a:p>
+          <a:p>
+            <a:r>
+              <a:rPr lang="ja-JP" altLang="en-US">
+                <a:ea typeface="ＭＳ Ｐゴシック"/>
+                <a:cs typeface="Calibri"/>
+              </a:rPr>
+              <a:t>MVVMパターン</a:t>
+            </a:r>
+            <a:endParaRPr lang="ja-JP" altLang="en-US" dirty="0">
+              <a:ea typeface="ＭＳ Ｐゴシック"/>
+              <a:cs typeface="Calibri"/>
+            </a:endParaRPr>
+          </a:p>
+        </p:txBody>
+      </p:sp>
+    </p:spTree>
+    <p:extLst>
+      <p:ext uri="{BB962C8B-B14F-4D97-AF65-F5344CB8AC3E}">
+        <p14:creationId xmlns:p14="http://schemas.microsoft.com/office/powerpoint/2010/main" val="1935174102"/>
+      </p:ext>
+    </p:extLst>
+  </p:cSld>
+  <p:clrMapOvr>
+    <a:masterClrMapping/>
+  </p:clrMapOvr>
+</p:sld>
+</file>
+
+<file path=ppt/slides/slide11.xml><?xml version="1.0" encoding="utf-8"?>
+<p:sld xmlns:a="http://schemas.openxmlformats.org/drawingml/2006/main" xmlns:r="http://schemas.openxmlformats.org/officeDocument/2006/relationships" xmlns:p="http://schemas.openxmlformats.org/presentationml/2006/main">
+  <p:cSld>
+    <p:spTree>
+      <p:nvGrpSpPr>
+        <p:cNvPr id="1" name=""/>
+        <p:cNvGrpSpPr/>
+        <p:nvPr/>
+      </p:nvGrpSpPr>
+      <p:grpSpPr>
+        <a:xfrm>
+          <a:off x="0" y="0"/>
+          <a:ext cx="0" cy="0"/>
+          <a:chOff x="0" y="0"/>
+          <a:chExt cx="0" cy="0"/>
+        </a:xfrm>
+      </p:grpSpPr>
+      <p:sp>
+        <p:nvSpPr>
+          <p:cNvPr id="2" name="タイトル 1">
+            <a:extLst>
+              <a:ext uri="{FF2B5EF4-FFF2-40B4-BE49-F238E27FC236}">
+                <a16:creationId xmlns:a16="http://schemas.microsoft.com/office/drawing/2014/main" id="{A6D6F511-3A1C-C65A-0C81-013946E96316}"/>
+              </a:ext>
+            </a:extLst>
+          </p:cNvPr>
+          <p:cNvSpPr>
+            <a:spLocks noGrp="1"/>
+          </p:cNvSpPr>
+          <p:nvPr>
+            <p:ph type="title"/>
+          </p:nvPr>
+        </p:nvSpPr>
+        <p:spPr/>
+        <p:txBody>
+          <a:bodyPr/>
+          <a:lstStyle/>
+          <a:p>
+            <a:r>
+              <a:rPr lang="ja-JP" altLang="en-US">
+                <a:ea typeface="ＭＳ Ｐゴシック"/>
+                <a:cs typeface="Calibri Light"/>
+              </a:rPr>
+              <a:t>どうしたら活用できる？</a:t>
+            </a:r>
+            <a:endParaRPr lang="ja-JP" altLang="en-US" dirty="0">
+              <a:ea typeface="ＭＳ Ｐゴシック"/>
+              <a:cs typeface="Calibri Light"/>
+            </a:endParaRPr>
+          </a:p>
+        </p:txBody>
+      </p:sp>
+      <p:sp>
+        <p:nvSpPr>
+          <p:cNvPr id="3" name="コンテンツ プレースホルダー 2">
+            <a:extLst>
+              <a:ext uri="{FF2B5EF4-FFF2-40B4-BE49-F238E27FC236}">
+                <a16:creationId xmlns:a16="http://schemas.microsoft.com/office/drawing/2014/main" id="{3CCAFFFC-E4AB-38AA-E639-90E81E4A6B1C}"/>
+              </a:ext>
+            </a:extLst>
+          </p:cNvPr>
+          <p:cNvSpPr>
+            <a:spLocks noGrp="1"/>
+          </p:cNvSpPr>
+          <p:nvPr>
+            <p:ph idx="1"/>
+          </p:nvPr>
+        </p:nvSpPr>
+        <p:spPr/>
+        <p:txBody>
+          <a:bodyPr/>
+          <a:lstStyle/>
+          <a:p>
+            <a:endParaRPr kumimoji="1" lang="ja-JP" altLang="en-US"/>
+          </a:p>
+        </p:txBody>
+      </p:sp>
+    </p:spTree>
+    <p:extLst>
+      <p:ext uri="{BB962C8B-B14F-4D97-AF65-F5344CB8AC3E}">
+        <p14:creationId xmlns:p14="http://schemas.microsoft.com/office/powerpoint/2010/main" val="297399293"/>
+      </p:ext>
+    </p:extLst>
+  </p:cSld>
+  <p:clrMapOvr>
+    <a:masterClrMapping/>
+  </p:clrMapOvr>
+</p:sld>
+</file>
+
 <file path=ppt/slides/slide2.xml><?xml version="1.0" encoding="utf-8"?>
+<p:sld xmlns:a="http://schemas.openxmlformats.org/drawingml/2006/main" xmlns:r="http://schemas.openxmlformats.org/officeDocument/2006/relationships" xmlns:p="http://schemas.openxmlformats.org/presentationml/2006/main">
+  <p:cSld>
+    <p:spTree>
+      <p:nvGrpSpPr>
+        <p:cNvPr id="1" name=""/>
+        <p:cNvGrpSpPr/>
+        <p:nvPr/>
+      </p:nvGrpSpPr>
+      <p:grpSpPr>
+        <a:xfrm>
+          <a:off x="0" y="0"/>
+          <a:ext cx="0" cy="0"/>
+          <a:chOff x="0" y="0"/>
+          <a:chExt cx="0" cy="0"/>
+        </a:xfrm>
+      </p:grpSpPr>
+      <p:sp>
+        <p:nvSpPr>
+          <p:cNvPr id="2" name="タイトル 1">
+            <a:extLst>
+              <a:ext uri="{FF2B5EF4-FFF2-40B4-BE49-F238E27FC236}">
+                <a16:creationId xmlns:a16="http://schemas.microsoft.com/office/drawing/2014/main" id="{C2A25BFF-25A6-9A4D-0DF8-6F97A563E0AA}"/>
+              </a:ext>
+            </a:extLst>
+          </p:cNvPr>
+          <p:cNvSpPr>
+            <a:spLocks noGrp="1"/>
+          </p:cNvSpPr>
+          <p:nvPr>
+            <p:ph type="title"/>
+          </p:nvPr>
+        </p:nvSpPr>
+        <p:spPr/>
+        <p:txBody>
+          <a:bodyPr/>
+          <a:lstStyle/>
+          <a:p>
+            <a:r>
+              <a:rPr lang="ja-JP" altLang="en-US">
+                <a:ea typeface="ＭＳ Ｐゴシック"/>
+                <a:cs typeface="Calibri Light"/>
+              </a:rPr>
+              <a:t>アーキテクチャの種類</a:t>
+            </a:r>
+            <a:endParaRPr kumimoji="1" lang="ja-JP" altLang="en-US"/>
+          </a:p>
+        </p:txBody>
+      </p:sp>
+      <p:sp>
+        <p:nvSpPr>
+          <p:cNvPr id="3" name="コンテンツ プレースホルダー 2">
+            <a:extLst>
+              <a:ext uri="{FF2B5EF4-FFF2-40B4-BE49-F238E27FC236}">
+                <a16:creationId xmlns:a16="http://schemas.microsoft.com/office/drawing/2014/main" id="{980287D9-F1C2-2477-9A28-67BCEF277848}"/>
+              </a:ext>
+            </a:extLst>
+          </p:cNvPr>
+          <p:cNvSpPr>
+            <a:spLocks noGrp="1"/>
+          </p:cNvSpPr>
+          <p:nvPr>
+            <p:ph idx="1"/>
+          </p:nvPr>
+        </p:nvSpPr>
+        <p:spPr>
+          <a:xfrm>
+            <a:off x="622540" y="2041285"/>
+            <a:ext cx="5397260" cy="2884848"/>
+          </a:xfrm>
+        </p:spPr>
+        <p:txBody>
+          <a:bodyPr vert="horz" lIns="91440" tIns="45720" rIns="91440" bIns="45720" rtlCol="0" anchor="t">
+            <a:normAutofit/>
+          </a:bodyPr>
+          <a:lstStyle/>
+          <a:p>
+            <a:r>
+              <a:rPr lang="en-US" altLang="ja-JP" sz="2000" dirty="0">
+                <a:ea typeface="+mn-lt"/>
+                <a:cs typeface="+mn-lt"/>
+              </a:rPr>
+              <a:t>GUI</a:t>
+            </a:r>
+            <a:r>
+              <a:rPr lang="ja-JP" altLang="en-US" sz="2000" dirty="0">
+                <a:ea typeface="+mn-lt"/>
+                <a:cs typeface="+mn-lt"/>
+              </a:rPr>
+              <a:t> </a:t>
+            </a:r>
+            <a:r>
+              <a:rPr lang="en-US" altLang="ja-JP" sz="2000" dirty="0">
+                <a:ea typeface="+mn-lt"/>
+                <a:cs typeface="+mn-lt"/>
+              </a:rPr>
+              <a:t>Architecture</a:t>
+            </a:r>
+            <a:r>
+              <a:rPr lang="ja-JP" altLang="en-US" sz="2000">
+                <a:ea typeface="+mn-lt"/>
+                <a:cs typeface="+mn-lt"/>
+              </a:rPr>
+              <a:t>：サブ</a:t>
+            </a:r>
+            <a:r>
+              <a:rPr lang="en-US" altLang="ja-JP" sz="2000" dirty="0">
+                <a:ea typeface="+mn-lt"/>
+                <a:cs typeface="+mn-lt"/>
+              </a:rPr>
+              <a:t>system</a:t>
+            </a:r>
+            <a:r>
+              <a:rPr lang="ja-JP" altLang="en-US" sz="2000">
+                <a:ea typeface="+mn-lt"/>
+                <a:cs typeface="+mn-lt"/>
+              </a:rPr>
+              <a:t>が対象</a:t>
+            </a:r>
+            <a:br>
+              <a:rPr lang="ja-JP" altLang="en-US" sz="2000" dirty="0">
+                <a:ea typeface="+mn-lt"/>
+                <a:cs typeface="+mn-lt"/>
+              </a:rPr>
+            </a:br>
+            <a:r>
+              <a:rPr lang="en-US" altLang="ja-JP" sz="2000" dirty="0">
+                <a:ea typeface="+mn-lt"/>
+                <a:cs typeface="+mn-lt"/>
+              </a:rPr>
+              <a:t>-</a:t>
+            </a:r>
+            <a:r>
+              <a:rPr lang="ja-JP" altLang="en-US" sz="2000" dirty="0">
+                <a:ea typeface="+mn-lt"/>
+                <a:cs typeface="+mn-lt"/>
+              </a:rPr>
+              <a:t> </a:t>
+            </a:r>
+            <a:r>
+              <a:rPr lang="en-US" altLang="ja-JP" sz="2000" dirty="0">
+                <a:ea typeface="+mn-lt"/>
+                <a:cs typeface="+mn-lt"/>
+              </a:rPr>
+              <a:t>(1979~)</a:t>
+            </a:r>
+            <a:r>
+              <a:rPr lang="ja-JP" altLang="en-US" sz="2000" dirty="0">
+                <a:ea typeface="+mn-lt"/>
+                <a:cs typeface="+mn-lt"/>
+              </a:rPr>
+              <a:t> </a:t>
+            </a:r>
+            <a:r>
+              <a:rPr lang="en-US" altLang="ja-JP" sz="2000" dirty="0">
+                <a:ea typeface="+mn-lt"/>
+                <a:cs typeface="+mn-lt"/>
+              </a:rPr>
+              <a:t>MVC</a:t>
+            </a:r>
+            <a:br>
+              <a:rPr lang="ja-JP" altLang="en-US" sz="2000" dirty="0">
+                <a:ea typeface="+mn-lt"/>
+                <a:cs typeface="+mn-lt"/>
+              </a:rPr>
+            </a:br>
+            <a:r>
+              <a:rPr lang="en-US" altLang="ja-JP" sz="2000" dirty="0">
+                <a:ea typeface="+mn-lt"/>
+                <a:cs typeface="+mn-lt"/>
+              </a:rPr>
+              <a:t>-</a:t>
+            </a:r>
+            <a:r>
+              <a:rPr lang="ja-JP" altLang="en-US" sz="2000" dirty="0">
+                <a:ea typeface="+mn-lt"/>
+                <a:cs typeface="+mn-lt"/>
+              </a:rPr>
+              <a:t> </a:t>
+            </a:r>
+            <a:r>
+              <a:rPr lang="en-US" altLang="ja-JP" sz="2000" dirty="0">
+                <a:ea typeface="+mn-lt"/>
+                <a:cs typeface="+mn-lt"/>
+              </a:rPr>
+              <a:t>(2009~)</a:t>
+            </a:r>
+            <a:r>
+              <a:rPr lang="en-US" altLang="ja-JP" sz="2000" dirty="0" err="1">
+                <a:ea typeface="+mn-lt"/>
+                <a:cs typeface="+mn-lt"/>
+              </a:rPr>
+              <a:t>DCIArchitecture</a:t>
+            </a:r>
+            <a:r>
+              <a:rPr lang="en-US" altLang="ja-JP" sz="2000" dirty="0">
+                <a:ea typeface="+mn-lt"/>
+                <a:cs typeface="+mn-lt"/>
+              </a:rPr>
+              <a:t>(MVC</a:t>
+            </a:r>
+            <a:r>
+              <a:rPr lang="ja-JP" altLang="en-US" sz="2000">
+                <a:ea typeface="+mn-lt"/>
+                <a:cs typeface="+mn-lt"/>
+              </a:rPr>
+              <a:t>っぽいもの</a:t>
+            </a:r>
+            <a:r>
+              <a:rPr lang="en-US" altLang="ja-JP" sz="2000" dirty="0">
+                <a:ea typeface="+mn-lt"/>
+                <a:cs typeface="+mn-lt"/>
+              </a:rPr>
+              <a:t>)</a:t>
+            </a:r>
+            <a:br>
+              <a:rPr lang="ja-JP" altLang="en-US" sz="2000" dirty="0">
+                <a:ea typeface="+mn-lt"/>
+                <a:cs typeface="+mn-lt"/>
+              </a:rPr>
+            </a:br>
+            <a:r>
+              <a:rPr lang="en-US" altLang="ja-JP" sz="2000" dirty="0">
+                <a:ea typeface="+mn-lt"/>
+                <a:cs typeface="+mn-lt"/>
+              </a:rPr>
+              <a:t>-</a:t>
+            </a:r>
+            <a:r>
+              <a:rPr lang="ja-JP" altLang="en-US" sz="2000" dirty="0">
+                <a:ea typeface="+mn-lt"/>
+                <a:cs typeface="+mn-lt"/>
+              </a:rPr>
+              <a:t> </a:t>
+            </a:r>
+            <a:r>
+              <a:rPr lang="en-US" altLang="ja-JP" sz="2000" dirty="0">
+                <a:ea typeface="+mn-lt"/>
+                <a:cs typeface="+mn-lt"/>
+              </a:rPr>
+              <a:t>(1999~)MVC</a:t>
+            </a:r>
+            <a:r>
+              <a:rPr lang="ja-JP" altLang="en-US" sz="2000" dirty="0">
+                <a:ea typeface="+mn-lt"/>
+                <a:cs typeface="+mn-lt"/>
+              </a:rPr>
+              <a:t> </a:t>
+            </a:r>
+            <a:r>
+              <a:rPr lang="en-US" altLang="ja-JP" sz="2000" dirty="0">
+                <a:ea typeface="+mn-lt"/>
+                <a:cs typeface="+mn-lt"/>
+              </a:rPr>
+              <a:t>Model2</a:t>
+            </a:r>
+            <a:br>
+              <a:rPr lang="ja-JP" altLang="en-US" sz="2000" dirty="0">
+                <a:ea typeface="+mn-lt"/>
+                <a:cs typeface="+mn-lt"/>
+              </a:rPr>
+            </a:br>
+            <a:r>
+              <a:rPr lang="en-US" altLang="ja-JP" sz="2000" dirty="0">
+                <a:ea typeface="+mn-lt"/>
+                <a:cs typeface="+mn-lt"/>
+              </a:rPr>
+              <a:t>-</a:t>
+            </a:r>
+            <a:r>
+              <a:rPr lang="ja-JP" altLang="en-US" sz="2000" dirty="0">
+                <a:ea typeface="+mn-lt"/>
+                <a:cs typeface="+mn-lt"/>
+              </a:rPr>
+              <a:t> </a:t>
+            </a:r>
+            <a:r>
+              <a:rPr lang="en-US" altLang="ja-JP" sz="2000" dirty="0">
+                <a:ea typeface="+mn-lt"/>
+                <a:cs typeface="+mn-lt"/>
+              </a:rPr>
+              <a:t>(1990~)</a:t>
+            </a:r>
+            <a:r>
+              <a:rPr lang="ja-JP" altLang="en-US" sz="2000" dirty="0">
+                <a:ea typeface="+mn-lt"/>
+                <a:cs typeface="+mn-lt"/>
+              </a:rPr>
+              <a:t> </a:t>
+            </a:r>
+            <a:r>
+              <a:rPr lang="en-US" altLang="ja-JP" sz="2000" dirty="0">
+                <a:ea typeface="+mn-lt"/>
+                <a:cs typeface="+mn-lt"/>
+              </a:rPr>
+              <a:t>MVP(Supervising</a:t>
+            </a:r>
+            <a:r>
+              <a:rPr lang="ja-JP" altLang="en-US" sz="2000" dirty="0">
+                <a:ea typeface="+mn-lt"/>
+                <a:cs typeface="+mn-lt"/>
+              </a:rPr>
+              <a:t> </a:t>
+            </a:r>
+            <a:r>
+              <a:rPr lang="en-US" altLang="ja-JP" sz="2000" dirty="0">
+                <a:ea typeface="+mn-lt"/>
+                <a:cs typeface="+mn-lt"/>
+              </a:rPr>
+              <a:t>Controller)</a:t>
+            </a:r>
+            <a:br>
+              <a:rPr lang="ja-JP" altLang="en-US" sz="2000" dirty="0">
+                <a:ea typeface="+mn-lt"/>
+                <a:cs typeface="+mn-lt"/>
+              </a:rPr>
+            </a:br>
+            <a:r>
+              <a:rPr lang="en-US" altLang="ja-JP" sz="2000" dirty="0">
+                <a:ea typeface="+mn-lt"/>
+                <a:cs typeface="+mn-lt"/>
+              </a:rPr>
+              <a:t>-</a:t>
+            </a:r>
+            <a:r>
+              <a:rPr lang="ja-JP" altLang="en-US" sz="2000" dirty="0">
+                <a:ea typeface="+mn-lt"/>
+                <a:cs typeface="+mn-lt"/>
+              </a:rPr>
+              <a:t> </a:t>
+            </a:r>
+            <a:r>
+              <a:rPr lang="en-US" altLang="ja-JP" sz="2000" dirty="0">
+                <a:ea typeface="+mn-lt"/>
+                <a:cs typeface="+mn-lt"/>
+              </a:rPr>
+              <a:t>(2006~)</a:t>
+            </a:r>
+            <a:r>
+              <a:rPr lang="ja-JP" altLang="en-US" sz="2000" dirty="0">
+                <a:ea typeface="+mn-lt"/>
+                <a:cs typeface="+mn-lt"/>
+              </a:rPr>
+              <a:t> </a:t>
+            </a:r>
+            <a:r>
+              <a:rPr lang="en-US" altLang="ja-JP" sz="2000" dirty="0">
+                <a:ea typeface="+mn-lt"/>
+                <a:cs typeface="+mn-lt"/>
+              </a:rPr>
+              <a:t>MVP(Passive</a:t>
+            </a:r>
+            <a:r>
+              <a:rPr lang="ja-JP" altLang="en-US" sz="2000" dirty="0">
+                <a:ea typeface="+mn-lt"/>
+                <a:cs typeface="+mn-lt"/>
+              </a:rPr>
+              <a:t> </a:t>
+            </a:r>
+            <a:r>
+              <a:rPr lang="en-US" altLang="ja-JP" sz="2000" dirty="0">
+                <a:ea typeface="+mn-lt"/>
+                <a:cs typeface="+mn-lt"/>
+              </a:rPr>
+              <a:t>Views)</a:t>
+            </a:r>
+            <a:br>
+              <a:rPr lang="ja-JP" altLang="en-US" sz="2000" dirty="0">
+                <a:ea typeface="+mn-lt"/>
+                <a:cs typeface="+mn-lt"/>
+              </a:rPr>
+            </a:br>
+            <a:r>
+              <a:rPr lang="en-US" altLang="ja-JP" sz="2000" dirty="0">
+                <a:ea typeface="+mn-lt"/>
+                <a:cs typeface="+mn-lt"/>
+              </a:rPr>
+              <a:t>-</a:t>
+            </a:r>
+            <a:r>
+              <a:rPr lang="ja-JP" altLang="en-US" sz="2000" dirty="0">
+                <a:ea typeface="+mn-lt"/>
+                <a:cs typeface="+mn-lt"/>
+              </a:rPr>
+              <a:t> </a:t>
+            </a:r>
+            <a:r>
+              <a:rPr lang="en-US" altLang="ja-JP" sz="2000" dirty="0">
+                <a:ea typeface="+mn-lt"/>
+                <a:cs typeface="+mn-lt"/>
+              </a:rPr>
+              <a:t>(2009~)MVVM</a:t>
+            </a:r>
+            <a:br>
+              <a:rPr lang="ja-JP" altLang="en-US" sz="2000" dirty="0">
+                <a:ea typeface="+mn-lt"/>
+                <a:cs typeface="+mn-lt"/>
+              </a:rPr>
+            </a:br>
+            <a:r>
+              <a:rPr lang="ja-JP" altLang="en-US" sz="2000">
+                <a:ea typeface="+mn-lt"/>
+                <a:cs typeface="+mn-lt"/>
+              </a:rPr>
+              <a:t>　→</a:t>
+            </a:r>
+            <a:r>
+              <a:rPr lang="en-US" altLang="ja-JP" sz="2000" dirty="0">
+                <a:ea typeface="+mn-lt"/>
+                <a:cs typeface="+mn-lt"/>
+              </a:rPr>
+              <a:t>Microsoft</a:t>
+            </a:r>
+            <a:r>
+              <a:rPr lang="ja-JP" altLang="en-US" sz="2000">
+                <a:ea typeface="+mn-lt"/>
+                <a:cs typeface="+mn-lt"/>
+              </a:rPr>
+              <a:t>発祥</a:t>
+            </a:r>
+            <a:br>
+              <a:rPr lang="ja-JP" altLang="en-US" sz="2000" dirty="0">
+                <a:ea typeface="+mn-lt"/>
+                <a:cs typeface="+mn-lt"/>
+              </a:rPr>
+            </a:br>
+            <a:r>
+              <a:rPr lang="en-US" altLang="ja-JP" sz="2000" dirty="0">
+                <a:ea typeface="+mn-lt"/>
+                <a:cs typeface="+mn-lt"/>
+              </a:rPr>
+              <a:t>-</a:t>
+            </a:r>
+            <a:r>
+              <a:rPr lang="ja-JP" altLang="en-US" sz="2000" dirty="0">
+                <a:ea typeface="+mn-lt"/>
+                <a:cs typeface="+mn-lt"/>
+              </a:rPr>
+              <a:t> </a:t>
+            </a:r>
+            <a:r>
+              <a:rPr lang="en-US" altLang="ja-JP" sz="2000" dirty="0">
+                <a:ea typeface="+mn-lt"/>
+                <a:cs typeface="+mn-lt"/>
+              </a:rPr>
+              <a:t>(2014~)Flux</a:t>
+            </a:r>
+            <a:br>
+              <a:rPr lang="ja-JP" altLang="en-US" sz="2000" dirty="0">
+                <a:ea typeface="+mn-lt"/>
+                <a:cs typeface="+mn-lt"/>
+              </a:rPr>
+            </a:br>
+            <a:r>
+              <a:rPr lang="ja-JP" altLang="en-US" sz="2000">
+                <a:ea typeface="+mn-lt"/>
+                <a:cs typeface="+mn-lt"/>
+              </a:rPr>
+              <a:t>　→</a:t>
+            </a:r>
+            <a:r>
+              <a:rPr lang="en-US" altLang="ja-JP" sz="2000" dirty="0">
+                <a:ea typeface="+mn-lt"/>
+                <a:cs typeface="+mn-lt"/>
+              </a:rPr>
+              <a:t>Facebook</a:t>
+            </a:r>
+            <a:r>
+              <a:rPr lang="ja-JP" altLang="en-US" sz="2000">
+                <a:ea typeface="+mn-lt"/>
+                <a:cs typeface="+mn-lt"/>
+              </a:rPr>
+              <a:t>製のデータフローモデル</a:t>
+            </a:r>
+            <a:endParaRPr lang="ja-JP" altLang="en-US" sz="4400">
+              <a:ea typeface="ＭＳ Ｐゴシック" panose="020B0600070205080204" pitchFamily="34" charset="-128"/>
+              <a:cs typeface="Calibri"/>
+            </a:endParaRPr>
+          </a:p>
+        </p:txBody>
+      </p:sp>
+      <p:sp>
+        <p:nvSpPr>
+          <p:cNvPr id="5" name="コンテンツ プレースホルダー 2">
+            <a:extLst>
+              <a:ext uri="{FF2B5EF4-FFF2-40B4-BE49-F238E27FC236}">
+                <a16:creationId xmlns:a16="http://schemas.microsoft.com/office/drawing/2014/main" id="{1CD56EE8-FE84-F2F3-E81E-20E7F66A7C72}"/>
+              </a:ext>
+            </a:extLst>
+          </p:cNvPr>
+          <p:cNvSpPr txBox="1">
+            <a:spLocks/>
+          </p:cNvSpPr>
+          <p:nvPr/>
+        </p:nvSpPr>
+        <p:spPr>
+          <a:xfrm>
+            <a:off x="5907656" y="2035534"/>
+            <a:ext cx="5555411" cy="2496659"/>
+          </a:xfrm>
+          <a:prstGeom prst="rect">
+            <a:avLst/>
+          </a:prstGeom>
+        </p:spPr>
+        <p:txBody>
+          <a:bodyPr vert="horz" lIns="91440" tIns="45720" rIns="91440" bIns="45720" rtlCol="0" anchor="t">
+            <a:normAutofit/>
+          </a:bodyPr>
+          <a:lstStyle>
+            <a:lvl1pPr marL="228600" indent="-228600" algn="l" defTabSz="914400" rtl="0" eaLnBrk="1" latinLnBrk="0" hangingPunct="1">
+              <a:lnSpc>
+                <a:spcPct val="90000"/>
+              </a:lnSpc>
+              <a:spcBef>
+                <a:spcPts val="1000"/>
+              </a:spcBef>
+              <a:buFont typeface="Arial" panose="020B0604020202020204" pitchFamily="34" charset="0"/>
+              <a:buChar char="•"/>
+              <a:defRPr kumimoji="1" sz="2800" kern="1200">
+                <a:solidFill>
+                  <a:schemeClr val="tx1"/>
+                </a:solidFill>
+                <a:latin typeface="+mn-lt"/>
+                <a:ea typeface="+mn-ea"/>
+                <a:cs typeface="+mn-cs"/>
+              </a:defRPr>
+            </a:lvl1pPr>
+            <a:lvl2pPr marL="685800" indent="-228600" algn="l" defTabSz="914400" rtl="0" eaLnBrk="1" latinLnBrk="0" hangingPunct="1">
+              <a:lnSpc>
+                <a:spcPct val="90000"/>
+              </a:lnSpc>
+              <a:spcBef>
+                <a:spcPts val="500"/>
+              </a:spcBef>
+              <a:buFont typeface="Arial" panose="020B0604020202020204" pitchFamily="34" charset="0"/>
+              <a:buChar char="•"/>
+              <a:defRPr kumimoji="1" sz="2400" kern="1200">
+                <a:solidFill>
+                  <a:schemeClr val="tx1"/>
+                </a:solidFill>
+                <a:latin typeface="+mn-lt"/>
+                <a:ea typeface="+mn-ea"/>
+                <a:cs typeface="+mn-cs"/>
+              </a:defRPr>
+            </a:lvl2pPr>
+            <a:lvl3pPr marL="1143000" indent="-228600" algn="l" defTabSz="914400" rtl="0" eaLnBrk="1" latinLnBrk="0" hangingPunct="1">
+              <a:lnSpc>
+                <a:spcPct val="90000"/>
+              </a:lnSpc>
+              <a:spcBef>
+                <a:spcPts val="500"/>
+              </a:spcBef>
+              <a:buFont typeface="Arial" panose="020B0604020202020204" pitchFamily="34" charset="0"/>
+              <a:buChar char="•"/>
+              <a:defRPr kumimoji="1" sz="2000" kern="1200">
+                <a:solidFill>
+                  <a:schemeClr val="tx1"/>
+                </a:solidFill>
+                <a:latin typeface="+mn-lt"/>
+                <a:ea typeface="+mn-ea"/>
+                <a:cs typeface="+mn-cs"/>
+              </a:defRPr>
+            </a:lvl3pPr>
+            <a:lvl4pPr marL="1600200" indent="-228600" algn="l" defTabSz="914400" rtl="0" eaLnBrk="1" latinLnBrk="0" hangingPunct="1">
+              <a:lnSpc>
+                <a:spcPct val="90000"/>
+              </a:lnSpc>
+              <a:spcBef>
+                <a:spcPts val="500"/>
+              </a:spcBef>
+              <a:buFont typeface="Arial" panose="020B0604020202020204" pitchFamily="34" charset="0"/>
+              <a:buChar char="•"/>
+              <a:defRPr kumimoji="1" sz="1800" kern="1200">
+                <a:solidFill>
+                  <a:schemeClr val="tx1"/>
+                </a:solidFill>
+                <a:latin typeface="+mn-lt"/>
+                <a:ea typeface="+mn-ea"/>
+                <a:cs typeface="+mn-cs"/>
+              </a:defRPr>
+            </a:lvl4pPr>
+            <a:lvl5pPr marL="2057400" indent="-228600" algn="l" defTabSz="914400" rtl="0" eaLnBrk="1" latinLnBrk="0" hangingPunct="1">
+              <a:lnSpc>
+                <a:spcPct val="90000"/>
+              </a:lnSpc>
+              <a:spcBef>
+                <a:spcPts val="500"/>
+              </a:spcBef>
+              <a:buFont typeface="Arial" panose="020B0604020202020204" pitchFamily="34" charset="0"/>
+              <a:buChar char="•"/>
+              <a:defRPr kumimoji="1" sz="1800" kern="1200">
+                <a:solidFill>
+                  <a:schemeClr val="tx1"/>
+                </a:solidFill>
+                <a:latin typeface="+mn-lt"/>
+                <a:ea typeface="+mn-ea"/>
+                <a:cs typeface="+mn-cs"/>
+              </a:defRPr>
+            </a:lvl5pPr>
+            <a:lvl6pPr marL="2514600" indent="-228600" algn="l" defTabSz="914400" rtl="0" eaLnBrk="1" latinLnBrk="0" hangingPunct="1">
+              <a:lnSpc>
+                <a:spcPct val="90000"/>
+              </a:lnSpc>
+              <a:spcBef>
+                <a:spcPts val="500"/>
+              </a:spcBef>
+              <a:buFont typeface="Arial" panose="020B0604020202020204" pitchFamily="34" charset="0"/>
+              <a:buChar char="•"/>
+              <a:defRPr kumimoji="1" sz="1800" kern="1200">
+                <a:solidFill>
+                  <a:schemeClr val="tx1"/>
+                </a:solidFill>
+                <a:latin typeface="+mn-lt"/>
+                <a:ea typeface="+mn-ea"/>
+                <a:cs typeface="+mn-cs"/>
+              </a:defRPr>
+            </a:lvl6pPr>
+            <a:lvl7pPr marL="2971800" indent="-228600" algn="l" defTabSz="914400" rtl="0" eaLnBrk="1" latinLnBrk="0" hangingPunct="1">
+              <a:lnSpc>
+                <a:spcPct val="90000"/>
+              </a:lnSpc>
+              <a:spcBef>
+                <a:spcPts val="500"/>
+              </a:spcBef>
+              <a:buFont typeface="Arial" panose="020B0604020202020204" pitchFamily="34" charset="0"/>
+              <a:buChar char="•"/>
+              <a:defRPr kumimoji="1" sz="1800" kern="1200">
+                <a:solidFill>
+                  <a:schemeClr val="tx1"/>
+                </a:solidFill>
+                <a:latin typeface="+mn-lt"/>
+                <a:ea typeface="+mn-ea"/>
+                <a:cs typeface="+mn-cs"/>
+              </a:defRPr>
+            </a:lvl7pPr>
+            <a:lvl8pPr marL="3429000" indent="-228600" algn="l" defTabSz="914400" rtl="0" eaLnBrk="1" latinLnBrk="0" hangingPunct="1">
+              <a:lnSpc>
+                <a:spcPct val="90000"/>
+              </a:lnSpc>
+              <a:spcBef>
+                <a:spcPts val="500"/>
+              </a:spcBef>
+              <a:buFont typeface="Arial" panose="020B0604020202020204" pitchFamily="34" charset="0"/>
+              <a:buChar char="•"/>
+              <a:defRPr kumimoji="1" sz="1800" kern="1200">
+                <a:solidFill>
+                  <a:schemeClr val="tx1"/>
+                </a:solidFill>
+                <a:latin typeface="+mn-lt"/>
+                <a:ea typeface="+mn-ea"/>
+                <a:cs typeface="+mn-cs"/>
+              </a:defRPr>
+            </a:lvl8pPr>
+            <a:lvl9pPr marL="3886200" indent="-228600" algn="l" defTabSz="914400" rtl="0" eaLnBrk="1" latinLnBrk="0" hangingPunct="1">
+              <a:lnSpc>
+                <a:spcPct val="90000"/>
+              </a:lnSpc>
+              <a:spcBef>
+                <a:spcPts val="500"/>
+              </a:spcBef>
+              <a:buFont typeface="Arial" panose="020B0604020202020204" pitchFamily="34" charset="0"/>
+              <a:buChar char="•"/>
+              <a:defRPr kumimoji="1" sz="1800" kern="1200">
+                <a:solidFill>
+                  <a:schemeClr val="tx1"/>
+                </a:solidFill>
+                <a:latin typeface="+mn-lt"/>
+                <a:ea typeface="+mn-ea"/>
+                <a:cs typeface="+mn-cs"/>
+              </a:defRPr>
+            </a:lvl9pPr>
+          </a:lstStyle>
+          <a:p>
+            <a:r>
+              <a:rPr lang="en-US" altLang="ja-JP" sz="2000" dirty="0">
+                <a:ea typeface="+mn-lt"/>
+                <a:cs typeface="+mn-lt"/>
+              </a:rPr>
+              <a:t>S</a:t>
+            </a:r>
+            <a:r>
+              <a:rPr lang="ja-JP" sz="2000">
+                <a:ea typeface="+mn-lt"/>
+                <a:cs typeface="+mn-lt"/>
+              </a:rPr>
+              <a:t>ystem Architecture：system全体が対象</a:t>
+            </a:r>
+            <a:br>
+              <a:rPr lang="ja-JP" sz="2000" dirty="0">
+                <a:ea typeface="+mn-lt"/>
+                <a:cs typeface="+mn-lt"/>
+              </a:rPr>
+            </a:br>
+            <a:r>
+              <a:rPr lang="ja-JP" sz="2000">
+                <a:ea typeface="+mn-lt"/>
+                <a:cs typeface="+mn-lt"/>
+              </a:rPr>
+              <a:t>- Layered Architecture</a:t>
+            </a:r>
+            <a:br>
+              <a:rPr lang="ja-JP" sz="2000" dirty="0">
+                <a:ea typeface="+mn-lt"/>
+                <a:cs typeface="+mn-lt"/>
+              </a:rPr>
+            </a:br>
+            <a:r>
+              <a:rPr lang="ja-JP" sz="2000">
+                <a:ea typeface="+mn-lt"/>
+                <a:cs typeface="+mn-lt"/>
+              </a:rPr>
+              <a:t>- (2008~)Onion Architecture</a:t>
+            </a:r>
+            <a:br>
+              <a:rPr lang="ja-JP" sz="2000" dirty="0">
+                <a:ea typeface="+mn-lt"/>
+                <a:cs typeface="+mn-lt"/>
+              </a:rPr>
+            </a:br>
+            <a:r>
+              <a:rPr lang="ja-JP" sz="2000">
+                <a:ea typeface="+mn-lt"/>
+                <a:cs typeface="+mn-lt"/>
+              </a:rPr>
+              <a:t>- (2012~)Clean Architecture</a:t>
+            </a:r>
+            <a:br>
+              <a:rPr lang="ja-JP" sz="2000" dirty="0">
+                <a:ea typeface="+mn-lt"/>
+                <a:cs typeface="+mn-lt"/>
+              </a:rPr>
+            </a:br>
+            <a:r>
+              <a:rPr lang="ja-JP" sz="2000">
+                <a:ea typeface="+mn-lt"/>
+                <a:cs typeface="+mn-lt"/>
+              </a:rPr>
+              <a:t>- (2013~)VIPER</a:t>
+            </a:r>
+            <a:br>
+              <a:rPr lang="ja-JP" sz="2000" dirty="0">
+                <a:ea typeface="+mn-lt"/>
+                <a:cs typeface="+mn-lt"/>
+              </a:rPr>
+            </a:br>
+            <a:r>
+              <a:rPr lang="ja-JP" sz="2000">
+                <a:ea typeface="+mn-lt"/>
+                <a:cs typeface="+mn-lt"/>
+              </a:rPr>
+              <a:t>- (2014~)MVA</a:t>
+            </a:r>
+            <a:br>
+              <a:rPr lang="ja-JP" sz="2000" dirty="0">
+                <a:ea typeface="+mn-lt"/>
+                <a:cs typeface="+mn-lt"/>
+              </a:rPr>
+            </a:br>
+            <a:r>
+              <a:rPr lang="ja-JP" sz="2000">
+                <a:ea typeface="+mn-lt"/>
+                <a:cs typeface="+mn-lt"/>
+              </a:rPr>
+              <a:t>- (2016~)MVVM-C</a:t>
+            </a:r>
+            <a:endParaRPr lang="ja-JP" altLang="en-US" sz="4400">
+              <a:ea typeface="+mn-lt"/>
+              <a:cs typeface="+mn-lt"/>
+            </a:endParaRPr>
+          </a:p>
+          <a:p>
+            <a:endParaRPr lang="ja-JP" sz="2000" dirty="0">
+              <a:ea typeface="ＭＳ Ｐゴシック"/>
+              <a:cs typeface="Calibri"/>
+            </a:endParaRPr>
+          </a:p>
+        </p:txBody>
+      </p:sp>
+    </p:spTree>
+    <p:extLst>
+      <p:ext uri="{BB962C8B-B14F-4D97-AF65-F5344CB8AC3E}">
+        <p14:creationId xmlns:p14="http://schemas.microsoft.com/office/powerpoint/2010/main" val="3765451696"/>
+      </p:ext>
+    </p:extLst>
+  </p:cSld>
+  <p:clrMapOvr>
+    <a:masterClrMapping/>
+  </p:clrMapOvr>
+</p:sld>
+</file>
+
+<file path=ppt/slides/slide3.xml><?xml version="1.0" encoding="utf-8"?>
+<p:sld xmlns:a="http://schemas.openxmlformats.org/drawingml/2006/main" xmlns:r="http://schemas.openxmlformats.org/officeDocument/2006/relationships" xmlns:p="http://schemas.openxmlformats.org/presentationml/2006/main">
+  <p:cSld>
+    <p:bg>
+      <p:bgPr>
+        <a:solidFill>
+          <a:schemeClr val="bg1"/>
+        </a:solidFill>
+        <a:effectLst/>
+      </p:bgPr>
+    </p:bg>
+    <p:spTree>
+      <p:nvGrpSpPr>
+        <p:cNvPr id="1" name=""/>
+        <p:cNvGrpSpPr/>
+        <p:nvPr/>
+      </p:nvGrpSpPr>
+      <p:grpSpPr>
+        <a:xfrm>
+          <a:off x="0" y="0"/>
+          <a:ext cx="0" cy="0"/>
+          <a:chOff x="0" y="0"/>
+          <a:chExt cx="0" cy="0"/>
+        </a:xfrm>
+      </p:grpSpPr>
+      <p:pic>
+        <p:nvPicPr>
+          <p:cNvPr id="2" name="図 2" descr="ダイアグラム&#10;&#10;説明は自動で生成されたものです">
+            <a:extLst>
+              <a:ext uri="{FF2B5EF4-FFF2-40B4-BE49-F238E27FC236}">
+                <a16:creationId xmlns:a16="http://schemas.microsoft.com/office/drawing/2014/main" id="{8BC9D652-0621-79F6-39D5-54D0BA17A0AF}"/>
+              </a:ext>
+            </a:extLst>
+          </p:cNvPr>
+          <p:cNvPicPr>
+            <a:picLocks noChangeAspect="1"/>
+          </p:cNvPicPr>
+          <p:nvPr/>
+        </p:nvPicPr>
+        <p:blipFill rotWithShape="1">
+          <a:blip r:embed="rId2"/>
+          <a:srcRect t="8763" r="-175" b="258"/>
+          <a:stretch/>
+        </p:blipFill>
+        <p:spPr>
+          <a:xfrm>
+            <a:off x="1351907" y="729731"/>
+            <a:ext cx="9200667" cy="5658002"/>
+          </a:xfrm>
+          <a:prstGeom prst="rect">
+            <a:avLst/>
+          </a:prstGeom>
+        </p:spPr>
+      </p:pic>
+      <p:sp>
+        <p:nvSpPr>
+          <p:cNvPr id="4" name="タイトル 1">
+            <a:extLst>
+              <a:ext uri="{FF2B5EF4-FFF2-40B4-BE49-F238E27FC236}">
+                <a16:creationId xmlns:a16="http://schemas.microsoft.com/office/drawing/2014/main" id="{4C65EA7E-8285-506F-A1B7-837FBDCA6F17}"/>
+              </a:ext>
+            </a:extLst>
+          </p:cNvPr>
+          <p:cNvSpPr txBox="1">
+            <a:spLocks/>
+          </p:cNvSpPr>
+          <p:nvPr/>
+        </p:nvSpPr>
+        <p:spPr>
+          <a:xfrm>
+            <a:off x="838200" y="365125"/>
+            <a:ext cx="10515600" cy="1325563"/>
+          </a:xfrm>
+          <a:prstGeom prst="rect">
+            <a:avLst/>
+          </a:prstGeom>
+        </p:spPr>
+        <p:txBody>
+          <a:bodyPr lIns="91440" tIns="45720" rIns="91440" bIns="45720" anchor="t"/>
+          <a:lstStyle>
+            <a:lvl1pPr algn="l" defTabSz="914400" rtl="0" eaLnBrk="1" latinLnBrk="0" hangingPunct="1">
+              <a:lnSpc>
+                <a:spcPct val="90000"/>
+              </a:lnSpc>
+              <a:spcBef>
+                <a:spcPct val="0"/>
+              </a:spcBef>
+              <a:buNone/>
+              <a:defRPr kumimoji="1" sz="4400" kern="1200">
+                <a:solidFill>
+                  <a:schemeClr val="tx1"/>
+                </a:solidFill>
+                <a:latin typeface="+mj-lt"/>
+                <a:ea typeface="+mj-ea"/>
+                <a:cs typeface="+mj-cs"/>
+              </a:defRPr>
+            </a:lvl1pPr>
+          </a:lstStyle>
+          <a:p>
+            <a:r>
+              <a:rPr lang="ja-JP" altLang="en-US">
+                <a:ea typeface="ＭＳ Ｐゴシック"/>
+                <a:cs typeface="Calibri Light"/>
+              </a:rPr>
+              <a:t>概念の種類</a:t>
+            </a:r>
+            <a:endParaRPr lang="ja-JP" altLang="en-US" dirty="0">
+              <a:ea typeface="ＭＳ Ｐゴシック"/>
+              <a:cs typeface="Calibri Light"/>
+            </a:endParaRPr>
+          </a:p>
+        </p:txBody>
+      </p:sp>
+    </p:spTree>
+    <p:extLst>
+      <p:ext uri="{BB962C8B-B14F-4D97-AF65-F5344CB8AC3E}">
+        <p14:creationId xmlns:p14="http://schemas.microsoft.com/office/powerpoint/2010/main" val="183265556"/>
+      </p:ext>
+    </p:extLst>
+  </p:cSld>
+  <p:clrMapOvr>
+    <a:masterClrMapping/>
+  </p:clrMapOvr>
+</p:sld>
+</file>
+
+<file path=ppt/slides/slide4.xml><?xml version="1.0" encoding="utf-8"?>
 <p:sld xmlns:a="http://schemas.openxmlformats.org/drawingml/2006/main" xmlns:r="http://schemas.openxmlformats.org/officeDocument/2006/relationships" xmlns:p="http://schemas.openxmlformats.org/presentationml/2006/main">
   <p:cSld>
     <p:spTree>
@@ -3614,7 +5214,7 @@
 </p:sld>
 </file>
 
-<file path=ppt/slides/slide3.xml><?xml version="1.0" encoding="utf-8"?>
+<file path=ppt/slides/slide5.xml><?xml version="1.0" encoding="utf-8"?>
 <p:sld xmlns:a="http://schemas.openxmlformats.org/drawingml/2006/main" xmlns:r="http://schemas.openxmlformats.org/officeDocument/2006/relationships" xmlns:p="http://schemas.openxmlformats.org/presentationml/2006/main">
   <p:cSld>
     <p:spTree>
@@ -3704,7 +5304,7 @@
         </p:nvSpPr>
         <p:spPr>
           <a:xfrm>
-            <a:off x="9837551" y="5293681"/>
+            <a:off x="9952570" y="5164285"/>
             <a:ext cx="1143000" cy="369332"/>
           </a:xfrm>
           <a:prstGeom prst="rect">
@@ -3918,7 +5518,7 @@
         <p:spPr>
           <a:xfrm>
             <a:off x="449762" y="3568397"/>
-            <a:ext cx="2425708" cy="2585323"/>
+            <a:ext cx="2425708" cy="3139321"/>
           </a:xfrm>
           <a:prstGeom prst="rect">
             <a:avLst/>
@@ -3939,7 +5539,7 @@
                 <a:ea typeface="ＭＳ Ｐゴシック"/>
                 <a:cs typeface="Calibri"/>
               </a:rPr>
-              <a:t>緑 ー緑は</a:t>
+              <a:t>緑 ～ 緑は</a:t>
             </a:r>
             <a:endParaRPr lang="ja-JP"/>
           </a:p>
@@ -3992,10 +5592,133 @@
             </a:endParaRPr>
           </a:p>
           <a:p>
+            <a:r>
+              <a:rPr lang="ja-JP" altLang="en-US">
+                <a:ea typeface="ＭＳ Ｐゴシック"/>
+                <a:cs typeface="Calibri"/>
+              </a:rPr>
+              <a:t>依存先はintefaceクラス</a:t>
+            </a:r>
             <a:endParaRPr lang="ja-JP" altLang="en-US" dirty="0">
               <a:ea typeface="ＭＳ Ｐゴシック"/>
               <a:cs typeface="Calibri"/>
             </a:endParaRPr>
+          </a:p>
+          <a:p>
+            <a:endParaRPr lang="ja-JP" altLang="en-US" dirty="0">
+              <a:ea typeface="ＭＳ Ｐゴシック"/>
+              <a:cs typeface="Calibri"/>
+            </a:endParaRPr>
+          </a:p>
+          <a:p>
+            <a:endParaRPr lang="ja-JP" altLang="en-US" dirty="0">
+              <a:ea typeface="ＭＳ Ｐゴシック"/>
+              <a:cs typeface="Calibri"/>
+            </a:endParaRPr>
+          </a:p>
+        </p:txBody>
+      </p:sp>
+      <p:sp>
+        <p:nvSpPr>
+          <p:cNvPr id="2" name="正方形/長方形 1">
+            <a:extLst>
+              <a:ext uri="{FF2B5EF4-FFF2-40B4-BE49-F238E27FC236}">
+                <a16:creationId xmlns:a16="http://schemas.microsoft.com/office/drawing/2014/main" id="{994671E5-FAEE-4653-805A-F0EF68BB692A}"/>
+              </a:ext>
+            </a:extLst>
+          </p:cNvPr>
+          <p:cNvSpPr/>
+          <p:nvPr/>
+        </p:nvSpPr>
+        <p:spPr>
+          <a:xfrm>
+            <a:off x="8899585" y="3318474"/>
+            <a:ext cx="1955320" cy="675736"/>
+          </a:xfrm>
+          <a:prstGeom prst="rect">
+            <a:avLst/>
+          </a:prstGeom>
+          <a:noFill/>
+          <a:ln w="57150">
+            <a:solidFill>
+              <a:srgbClr val="FF0000"/>
+            </a:solidFill>
+          </a:ln>
+        </p:spPr>
+        <p:style>
+          <a:lnRef idx="2">
+            <a:schemeClr val="accent1">
+              <a:shade val="15000"/>
+            </a:schemeClr>
+          </a:lnRef>
+          <a:fillRef idx="1">
+            <a:schemeClr val="accent1"/>
+          </a:fillRef>
+          <a:effectRef idx="0">
+            <a:schemeClr val="accent1"/>
+          </a:effectRef>
+          <a:fontRef idx="minor">
+            <a:schemeClr val="lt1"/>
+          </a:fontRef>
+        </p:style>
+        <p:txBody>
+          <a:bodyPr rtlCol="0" anchor="ctr"/>
+          <a:lstStyle/>
+          <a:p>
+            <a:pPr algn="ctr"/>
+            <a:endParaRPr lang="ja-JP" altLang="en-US"/>
+          </a:p>
+        </p:txBody>
+      </p:sp>
+      <p:sp>
+        <p:nvSpPr>
+          <p:cNvPr id="3" name="正方形/長方形 2">
+            <a:extLst>
+              <a:ext uri="{FF2B5EF4-FFF2-40B4-BE49-F238E27FC236}">
+                <a16:creationId xmlns:a16="http://schemas.microsoft.com/office/drawing/2014/main" id="{BAE59B55-69C2-2D02-CBB4-E40A59A73480}"/>
+              </a:ext>
+            </a:extLst>
+          </p:cNvPr>
+          <p:cNvSpPr/>
+          <p:nvPr/>
+        </p:nvSpPr>
+        <p:spPr>
+          <a:xfrm>
+            <a:off x="8971471" y="5532587"/>
+            <a:ext cx="1883434" cy="776377"/>
+          </a:xfrm>
+          <a:prstGeom prst="rect">
+            <a:avLst/>
+          </a:prstGeom>
+          <a:noFill/>
+          <a:ln w="57150">
+            <a:solidFill>
+              <a:srgbClr val="FF0000"/>
+            </a:solidFill>
+          </a:ln>
+        </p:spPr>
+        <p:style>
+          <a:lnRef idx="2">
+            <a:schemeClr val="accent1">
+              <a:shade val="15000"/>
+            </a:schemeClr>
+          </a:lnRef>
+          <a:fillRef idx="1">
+            <a:schemeClr val="accent1"/>
+          </a:fillRef>
+          <a:effectRef idx="0">
+            <a:schemeClr val="accent1"/>
+          </a:effectRef>
+          <a:fontRef idx="minor">
+            <a:schemeClr val="lt1"/>
+          </a:fontRef>
+        </p:style>
+        <p:txBody>
+          <a:bodyPr rtlCol="0" anchor="ctr"/>
+          <a:lstStyle/>
+          <a:p>
+            <a:pPr algn="ctr"/>
+            <a:endParaRPr lang="ja-JP" altLang="en-US"/>
           </a:p>
         </p:txBody>
       </p:sp>
@@ -4012,7 +5735,7 @@
 </p:sld>
 </file>
 
-<file path=ppt/slides/slide4.xml><?xml version="1.0" encoding="utf-8"?>
+<file path=ppt/slides/slide6.xml><?xml version="1.0" encoding="utf-8"?>
 <p:sld xmlns:a="http://schemas.openxmlformats.org/drawingml/2006/main" xmlns:r="http://schemas.openxmlformats.org/officeDocument/2006/relationships" xmlns:p="http://schemas.openxmlformats.org/presentationml/2006/main">
   <p:cSld>
     <p:spTree>
@@ -4111,7 +5834,7 @@
             <a:avLst/>
           </a:prstGeom>
           <a:noFill/>
-          <a:ln>
+          <a:ln w="57150">
             <a:solidFill>
               <a:schemeClr val="accent4"/>
             </a:solidFill>
@@ -4156,8 +5879,8 @@
         </p:nvSpPr>
         <p:spPr>
           <a:xfrm>
-            <a:off x="1043609" y="4621695"/>
-            <a:ext cx="9774415" cy="1754326"/>
+            <a:off x="842326" y="4406035"/>
+            <a:ext cx="10234490" cy="2031325"/>
           </a:xfrm>
           <a:prstGeom prst="rect">
             <a:avLst/>
@@ -4178,7 +5901,7 @@
                 <a:ea typeface="ＭＳ Ｐゴシック"/>
                 <a:cs typeface="Calibri"/>
               </a:rPr>
-              <a:t>IUserCreateUseCaseはinterface</a:t>
+              <a:t>依存しているIUserCreateUseCaseはinterface</a:t>
             </a:r>
             <a:endParaRPr lang="ja-JP" altLang="en-US">
               <a:ea typeface="ＭＳ Ｐゴシック" panose="020B0600070205080204" pitchFamily="34" charset="-128"/>
@@ -4197,6 +5920,15 @@
               <a:ea typeface="ＭＳ Ｐゴシック"/>
               <a:cs typeface="Calibri"/>
             </a:endParaRPr>
+          </a:p>
+          <a:p>
+            <a:r>
+              <a:rPr lang="ja-JP" altLang="en-US">
+                <a:ea typeface="ＭＳ Ｐゴシック"/>
+                <a:cs typeface="Calibri"/>
+              </a:rPr>
+              <a:t>（すげ替えてもこの依存しているのはinterfaceのクラスなので、使用者側はコードを修正する必要がない）</a:t>
+            </a:r>
           </a:p>
           <a:p>
             <a:pPr algn="l"/>
@@ -4255,6 +5987,45 @@
           </a:p>
         </p:txBody>
       </p:sp>
+      <p:cxnSp>
+        <p:nvCxnSpPr>
+          <p:cNvPr id="3" name="直線矢印コネクタ 2">
+            <a:extLst>
+              <a:ext uri="{FF2B5EF4-FFF2-40B4-BE49-F238E27FC236}">
+                <a16:creationId xmlns:a16="http://schemas.microsoft.com/office/drawing/2014/main" id="{50C9BBD2-C73B-8C85-5663-7484C73E1D0D}"/>
+              </a:ext>
+            </a:extLst>
+          </p:cNvPr>
+          <p:cNvCxnSpPr/>
+          <p:nvPr/>
+        </p:nvCxnSpPr>
+        <p:spPr>
+          <a:xfrm flipV="1">
+            <a:off x="3510951" y="3224842"/>
+            <a:ext cx="641231" cy="1242203"/>
+          </a:xfrm>
+          <a:prstGeom prst="straightConnector1">
+            <a:avLst/>
+          </a:prstGeom>
+          <a:ln w="28575">
+            <a:tailEnd type="triangle"/>
+          </a:ln>
+        </p:spPr>
+        <p:style>
+          <a:lnRef idx="1">
+            <a:schemeClr val="accent4"/>
+          </a:lnRef>
+          <a:fillRef idx="0">
+            <a:schemeClr val="accent4"/>
+          </a:fillRef>
+          <a:effectRef idx="0">
+            <a:schemeClr val="accent4"/>
+          </a:effectRef>
+          <a:fontRef idx="minor">
+            <a:schemeClr val="tx1"/>
+          </a:fontRef>
+        </p:style>
+      </p:cxnSp>
     </p:spTree>
     <p:extLst>
       <p:ext uri="{BB962C8B-B14F-4D97-AF65-F5344CB8AC3E}">
@@ -4268,7 +6039,7 @@
 </p:sld>
 </file>
 
-<file path=ppt/slides/slide5.xml><?xml version="1.0" encoding="utf-8"?>
+<file path=ppt/slides/slide7.xml><?xml version="1.0" encoding="utf-8"?>
 <p:sld xmlns:a="http://schemas.openxmlformats.org/drawingml/2006/main" xmlns:r="http://schemas.openxmlformats.org/officeDocument/2006/relationships" xmlns:p="http://schemas.openxmlformats.org/presentationml/2006/main">
   <p:cSld>
     <p:spTree>
@@ -4500,7 +6271,135 @@
 </p:sld>
 </file>
 
-<file path=ppt/slides/slide6.xml><?xml version="1.0" encoding="utf-8"?>
+<file path=ppt/slides/slide8.xml><?xml version="1.0" encoding="utf-8"?>
+<p:sld xmlns:a="http://schemas.openxmlformats.org/drawingml/2006/main" xmlns:r="http://schemas.openxmlformats.org/officeDocument/2006/relationships" xmlns:p="http://schemas.openxmlformats.org/presentationml/2006/main">
+  <p:cSld>
+    <p:spTree>
+      <p:nvGrpSpPr>
+        <p:cNvPr id="1" name=""/>
+        <p:cNvGrpSpPr/>
+        <p:nvPr/>
+      </p:nvGrpSpPr>
+      <p:grpSpPr>
+        <a:xfrm>
+          <a:off x="0" y="0"/>
+          <a:ext cx="0" cy="0"/>
+          <a:chOff x="0" y="0"/>
+          <a:chExt cx="0" cy="0"/>
+        </a:xfrm>
+      </p:grpSpPr>
+      <p:sp>
+        <p:nvSpPr>
+          <p:cNvPr id="2" name="タイトル 1">
+            <a:extLst>
+              <a:ext uri="{FF2B5EF4-FFF2-40B4-BE49-F238E27FC236}">
+                <a16:creationId xmlns:a16="http://schemas.microsoft.com/office/drawing/2014/main" id="{1A60CAE4-4F90-7919-47E6-46AB9784E264}"/>
+              </a:ext>
+            </a:extLst>
+          </p:cNvPr>
+          <p:cNvSpPr>
+            <a:spLocks noGrp="1"/>
+          </p:cNvSpPr>
+          <p:nvPr>
+            <p:ph type="title"/>
+          </p:nvPr>
+        </p:nvSpPr>
+        <p:spPr/>
+        <p:txBody>
+          <a:bodyPr/>
+          <a:lstStyle/>
+          <a:p>
+            <a:r>
+              <a:rPr lang="ja-JP" altLang="en-US">
+                <a:ea typeface="ＭＳ Ｐゴシック"/>
+                <a:cs typeface="Calibri Light"/>
+              </a:rPr>
+              <a:t>デメリット</a:t>
+            </a:r>
+            <a:endParaRPr lang="ja-JP" altLang="en-US" dirty="0">
+              <a:ea typeface="ＭＳ Ｐゴシック"/>
+              <a:cs typeface="Calibri Light"/>
+            </a:endParaRPr>
+          </a:p>
+        </p:txBody>
+      </p:sp>
+      <p:sp>
+        <p:nvSpPr>
+          <p:cNvPr id="3" name="コンテンツ プレースホルダー 2">
+            <a:extLst>
+              <a:ext uri="{FF2B5EF4-FFF2-40B4-BE49-F238E27FC236}">
+                <a16:creationId xmlns:a16="http://schemas.microsoft.com/office/drawing/2014/main" id="{EC76E50B-7621-BC7E-B456-38A6515212D2}"/>
+              </a:ext>
+            </a:extLst>
+          </p:cNvPr>
+          <p:cNvSpPr>
+            <a:spLocks noGrp="1"/>
+          </p:cNvSpPr>
+          <p:nvPr>
+            <p:ph idx="1"/>
+          </p:nvPr>
+        </p:nvSpPr>
+        <p:spPr/>
+        <p:txBody>
+          <a:bodyPr vert="horz" lIns="91440" tIns="45720" rIns="91440" bIns="45720" rtlCol="0" anchor="t">
+            <a:normAutofit/>
+          </a:bodyPr>
+          <a:lstStyle/>
+          <a:p>
+            <a:r>
+              <a:rPr lang="ja-JP">
+                <a:ea typeface="ＭＳ Ｐゴシック"/>
+                <a:cs typeface="Calibri"/>
+              </a:rPr>
+              <a:t>- クラスの肥大化</a:t>
+            </a:r>
+            <a:br>
+              <a:rPr lang="ja-JP" dirty="0">
+                <a:ea typeface="ＭＳ Ｐゴシック"/>
+                <a:cs typeface="Calibri"/>
+              </a:rPr>
+            </a:br>
+            <a:r>
+              <a:rPr lang="ja-JP">
+                <a:ea typeface="ＭＳ Ｐゴシック"/>
+                <a:cs typeface="Calibri"/>
+              </a:rPr>
+              <a:t>- 役割分担がしにくい</a:t>
+            </a:r>
+            <a:br>
+              <a:rPr lang="ja-JP" dirty="0">
+                <a:ea typeface="ＭＳ Ｐゴシック"/>
+                <a:cs typeface="Calibri"/>
+              </a:rPr>
+            </a:br>
+            <a:r>
+              <a:rPr lang="ja-JP">
+                <a:ea typeface="ＭＳ Ｐゴシック"/>
+                <a:cs typeface="Calibri"/>
+              </a:rPr>
+              <a:t>- どこになにが書いてあるのかすぐにわからない </a:t>
+            </a:r>
+            <a:endParaRPr lang="ja-JP" altLang="en-US" dirty="0">
+              <a:ea typeface="ＭＳ Ｐゴシック"/>
+              <a:cs typeface="Calibri"/>
+            </a:endParaRPr>
+          </a:p>
+        </p:txBody>
+      </p:sp>
+    </p:spTree>
+    <p:extLst>
+      <p:ext uri="{BB962C8B-B14F-4D97-AF65-F5344CB8AC3E}">
+        <p14:creationId xmlns:p14="http://schemas.microsoft.com/office/powerpoint/2010/main" val="1302157902"/>
+      </p:ext>
+    </p:extLst>
+  </p:cSld>
+  <p:clrMapOvr>
+    <a:masterClrMapping/>
+  </p:clrMapOvr>
+</p:sld>
+</file>
+
+<file path=ppt/slides/slide9.xml><?xml version="1.0" encoding="utf-8"?>
 <p:sld xmlns:a="http://schemas.openxmlformats.org/drawingml/2006/main" xmlns:r="http://schemas.openxmlformats.org/officeDocument/2006/relationships" xmlns:p="http://schemas.openxmlformats.org/presentationml/2006/main">
   <p:cSld>
     <p:spTree>
@@ -4712,203 +6611,6 @@
     <p:extLst>
       <p:ext uri="{BB962C8B-B14F-4D97-AF65-F5344CB8AC3E}">
         <p14:creationId xmlns:p14="http://schemas.microsoft.com/office/powerpoint/2010/main" val="3882919582"/>
-      </p:ext>
-    </p:extLst>
-  </p:cSld>
-  <p:clrMapOvr>
-    <a:masterClrMapping/>
-  </p:clrMapOvr>
-</p:sld>
-</file>
-
-<file path=ppt/slides/slide7.xml><?xml version="1.0" encoding="utf-8"?>
-<p:sld xmlns:a="http://schemas.openxmlformats.org/drawingml/2006/main" xmlns:r="http://schemas.openxmlformats.org/officeDocument/2006/relationships" xmlns:p="http://schemas.openxmlformats.org/presentationml/2006/main">
-  <p:cSld>
-    <p:spTree>
-      <p:nvGrpSpPr>
-        <p:cNvPr id="1" name=""/>
-        <p:cNvGrpSpPr/>
-        <p:nvPr/>
-      </p:nvGrpSpPr>
-      <p:grpSpPr>
-        <a:xfrm>
-          <a:off x="0" y="0"/>
-          <a:ext cx="0" cy="0"/>
-          <a:chOff x="0" y="0"/>
-          <a:chExt cx="0" cy="0"/>
-        </a:xfrm>
-      </p:grpSpPr>
-      <p:sp>
-        <p:nvSpPr>
-          <p:cNvPr id="2" name="タイトル 1">
-            <a:extLst>
-              <a:ext uri="{FF2B5EF4-FFF2-40B4-BE49-F238E27FC236}">
-                <a16:creationId xmlns:a16="http://schemas.microsoft.com/office/drawing/2014/main" id="{4906BCC5-11C7-25E5-B0A0-04F3ABAEA091}"/>
-              </a:ext>
-            </a:extLst>
-          </p:cNvPr>
-          <p:cNvSpPr>
-            <a:spLocks noGrp="1"/>
-          </p:cNvSpPr>
-          <p:nvPr>
-            <p:ph type="title"/>
-          </p:nvPr>
-        </p:nvSpPr>
-        <p:spPr/>
-        <p:txBody>
-          <a:bodyPr/>
-          <a:lstStyle/>
-          <a:p>
-            <a:r>
-              <a:rPr lang="ja-JP" altLang="en-US">
-                <a:ea typeface="ＭＳ Ｐゴシック"/>
-                <a:cs typeface="Calibri Light"/>
-              </a:rPr>
-              <a:t>Viewとのつながり</a:t>
-            </a:r>
-          </a:p>
-        </p:txBody>
-      </p:sp>
-      <p:sp>
-        <p:nvSpPr>
-          <p:cNvPr id="3" name="コンテンツ プレースホルダー 2">
-            <a:extLst>
-              <a:ext uri="{FF2B5EF4-FFF2-40B4-BE49-F238E27FC236}">
-                <a16:creationId xmlns:a16="http://schemas.microsoft.com/office/drawing/2014/main" id="{9BE50723-2CF5-4D30-1365-20B66C73649F}"/>
-              </a:ext>
-            </a:extLst>
-          </p:cNvPr>
-          <p:cNvSpPr>
-            <a:spLocks noGrp="1"/>
-          </p:cNvSpPr>
-          <p:nvPr>
-            <p:ph idx="1"/>
-          </p:nvPr>
-        </p:nvSpPr>
-        <p:spPr/>
-        <p:txBody>
-          <a:bodyPr vert="horz" lIns="91440" tIns="45720" rIns="91440" bIns="45720" rtlCol="0" anchor="t">
-            <a:normAutofit/>
-          </a:bodyPr>
-          <a:lstStyle/>
-          <a:p>
-            <a:r>
-              <a:rPr lang="ja-JP" altLang="en-US">
-                <a:ea typeface="ＭＳ Ｐゴシック"/>
-                <a:cs typeface="Calibri"/>
-              </a:rPr>
-              <a:t>わからない</a:t>
-            </a:r>
-          </a:p>
-          <a:p>
-            <a:r>
-              <a:rPr lang="ja-JP" altLang="en-US">
-                <a:ea typeface="ＭＳ Ｐゴシック"/>
-                <a:cs typeface="Calibri"/>
-              </a:rPr>
-              <a:t>MVVMパターン</a:t>
-            </a:r>
-            <a:endParaRPr lang="ja-JP" altLang="en-US" dirty="0">
-              <a:ea typeface="ＭＳ Ｐゴシック"/>
-              <a:cs typeface="Calibri"/>
-            </a:endParaRPr>
-          </a:p>
-        </p:txBody>
-      </p:sp>
-    </p:spTree>
-    <p:extLst>
-      <p:ext uri="{BB962C8B-B14F-4D97-AF65-F5344CB8AC3E}">
-        <p14:creationId xmlns:p14="http://schemas.microsoft.com/office/powerpoint/2010/main" val="1935174102"/>
-      </p:ext>
-    </p:extLst>
-  </p:cSld>
-  <p:clrMapOvr>
-    <a:masterClrMapping/>
-  </p:clrMapOvr>
-</p:sld>
-</file>
-
-<file path=ppt/slides/slide8.xml><?xml version="1.0" encoding="utf-8"?>
-<p:sld xmlns:a="http://schemas.openxmlformats.org/drawingml/2006/main" xmlns:r="http://schemas.openxmlformats.org/officeDocument/2006/relationships" xmlns:p="http://schemas.openxmlformats.org/presentationml/2006/main">
-  <p:cSld>
-    <p:spTree>
-      <p:nvGrpSpPr>
-        <p:cNvPr id="1" name=""/>
-        <p:cNvGrpSpPr/>
-        <p:nvPr/>
-      </p:nvGrpSpPr>
-      <p:grpSpPr>
-        <a:xfrm>
-          <a:off x="0" y="0"/>
-          <a:ext cx="0" cy="0"/>
-          <a:chOff x="0" y="0"/>
-          <a:chExt cx="0" cy="0"/>
-        </a:xfrm>
-      </p:grpSpPr>
-      <p:sp>
-        <p:nvSpPr>
-          <p:cNvPr id="2" name="タイトル 1">
-            <a:extLst>
-              <a:ext uri="{FF2B5EF4-FFF2-40B4-BE49-F238E27FC236}">
-                <a16:creationId xmlns:a16="http://schemas.microsoft.com/office/drawing/2014/main" id="{A6D6F511-3A1C-C65A-0C81-013946E96316}"/>
-              </a:ext>
-            </a:extLst>
-          </p:cNvPr>
-          <p:cNvSpPr>
-            <a:spLocks noGrp="1"/>
-          </p:cNvSpPr>
-          <p:nvPr>
-            <p:ph type="title"/>
-          </p:nvPr>
-        </p:nvSpPr>
-        <p:spPr/>
-        <p:txBody>
-          <a:bodyPr/>
-          <a:lstStyle/>
-          <a:p>
-            <a:r>
-              <a:rPr lang="ja-JP" altLang="en-US">
-                <a:ea typeface="ＭＳ Ｐゴシック"/>
-                <a:cs typeface="Calibri Light"/>
-              </a:rPr>
-              <a:t>どうしたら活用できる？</a:t>
-            </a:r>
-            <a:endParaRPr lang="ja-JP" altLang="en-US" dirty="0">
-              <a:ea typeface="ＭＳ Ｐゴシック"/>
-              <a:cs typeface="Calibri Light"/>
-            </a:endParaRPr>
-          </a:p>
-        </p:txBody>
-      </p:sp>
-      <p:sp>
-        <p:nvSpPr>
-          <p:cNvPr id="3" name="コンテンツ プレースホルダー 2">
-            <a:extLst>
-              <a:ext uri="{FF2B5EF4-FFF2-40B4-BE49-F238E27FC236}">
-                <a16:creationId xmlns:a16="http://schemas.microsoft.com/office/drawing/2014/main" id="{3CCAFFFC-E4AB-38AA-E639-90E81E4A6B1C}"/>
-              </a:ext>
-            </a:extLst>
-          </p:cNvPr>
-          <p:cNvSpPr>
-            <a:spLocks noGrp="1"/>
-          </p:cNvSpPr>
-          <p:nvPr>
-            <p:ph idx="1"/>
-          </p:nvPr>
-        </p:nvSpPr>
-        <p:spPr/>
-        <p:txBody>
-          <a:bodyPr/>
-          <a:lstStyle/>
-          <a:p>
-            <a:endParaRPr kumimoji="1" lang="ja-JP" altLang="en-US"/>
-          </a:p>
-        </p:txBody>
-      </p:sp>
-    </p:spTree>
-    <p:extLst>
-      <p:ext uri="{BB962C8B-B14F-4D97-AF65-F5344CB8AC3E}">
-        <p14:creationId xmlns:p14="http://schemas.microsoft.com/office/powerpoint/2010/main" val="297399293"/>
       </p:ext>
     </p:extLst>
   </p:cSld>

--- a/勉強/クリーンアーキテクチャ/クリーンアーキテクチャ.pptx
+++ b/勉強/クリーンアーキテクチャ/クリーンアーキテクチャ.pptx
@@ -127,6 +127,7 @@
   <p1510:revLst>
     <p1510:client id="{8AA8E89F-1C47-4DD0-9BC3-6E08AB6F45AB}" v="112" dt="2023-05-07T14:33:19.645"/>
     <p1510:client id="{AC3884F0-6D8D-45D7-BA45-7FD28C692572}" v="500" dt="2023-04-27T15:55:02.360"/>
+    <p1510:client id="{BA129ADB-D584-41C8-B2D2-4B8A5267F8DE}" v="2" dt="2023-05-07T14:36:30.373"/>
   </p1510:revLst>
 </p1510:revInfo>
 </file>
@@ -260,6 +261,30 @@
             <pc:docMk/>
             <pc:sldMk cId="1302157902" sldId="266"/>
             <ac:spMk id="3" creationId="{EC76E50B-7621-BC7E-B456-38A6515212D2}"/>
+          </ac:spMkLst>
+        </pc:spChg>
+      </pc:sldChg>
+    </pc:docChg>
+  </pc:docChgLst>
+  <pc:docChgLst>
+    <pc:chgData name="笠井 粋花" userId="d5e2976839a84816" providerId="Windows Live" clId="Web-{BA129ADB-D584-41C8-B2D2-4B8A5267F8DE}"/>
+    <pc:docChg chg="modSld">
+      <pc:chgData name="笠井 粋花" userId="d5e2976839a84816" providerId="Windows Live" clId="Web-{BA129ADB-D584-41C8-B2D2-4B8A5267F8DE}" dt="2023-05-07T14:36:30.373" v="1" actId="1076"/>
+      <pc:docMkLst>
+        <pc:docMk/>
+      </pc:docMkLst>
+      <pc:sldChg chg="addSp modSp">
+        <pc:chgData name="笠井 粋花" userId="d5e2976839a84816" providerId="Windows Live" clId="Web-{BA129ADB-D584-41C8-B2D2-4B8A5267F8DE}" dt="2023-05-07T14:36:30.373" v="1" actId="1076"/>
+        <pc:sldMkLst>
+          <pc:docMk/>
+          <pc:sldMk cId="183265556" sldId="265"/>
+        </pc:sldMkLst>
+        <pc:spChg chg="add mod">
+          <ac:chgData name="笠井 粋花" userId="d5e2976839a84816" providerId="Windows Live" clId="Web-{BA129ADB-D584-41C8-B2D2-4B8A5267F8DE}" dt="2023-05-07T14:36:30.373" v="1" actId="1076"/>
+          <ac:spMkLst>
+            <pc:docMk/>
+            <pc:sldMk cId="183265556" sldId="265"/>
+            <ac:spMk id="3" creationId="{44BFB9EA-21EE-9409-5092-75CEFA9E69A1}"/>
           </ac:spMkLst>
         </pc:spChg>
       </pc:sldChg>
@@ -4896,6 +4921,167 @@
           </a:p>
         </p:txBody>
       </p:sp>
+      <p:sp>
+        <p:nvSpPr>
+          <p:cNvPr id="3" name="テキスト ボックス 1">
+            <a:extLst>
+              <a:ext uri="{FF2B5EF4-FFF2-40B4-BE49-F238E27FC236}">
+                <a16:creationId xmlns:a16="http://schemas.microsoft.com/office/drawing/2014/main" id="{44BFB9EA-21EE-9409-5092-75CEFA9E69A1}"/>
+              </a:ext>
+            </a:extLst>
+          </p:cNvPr>
+          <p:cNvSpPr txBox="1"/>
+          <p:nvPr/>
+        </p:nvSpPr>
+        <p:spPr>
+          <a:xfrm>
+            <a:off x="838079" y="6053466"/>
+            <a:ext cx="10015327" cy="646331"/>
+          </a:xfrm>
+          <a:prstGeom prst="rect">
+            <a:avLst/>
+          </a:prstGeom>
+          <a:noFill/>
+        </p:spPr>
+        <p:txBody>
+          <a:bodyPr rot="0" spcFirstLastPara="0" vert="horz" wrap="square" lIns="91440" tIns="45720" rIns="91440" bIns="45720" numCol="1" spcCol="0" rtlCol="0" fromWordArt="0" anchor="t" anchorCtr="0" forceAA="0" compatLnSpc="1">
+            <a:prstTxWarp prst="textNoShape">
+              <a:avLst/>
+            </a:prstTxWarp>
+            <a:spAutoFit/>
+          </a:bodyPr>
+          <a:lstStyle>
+            <a:defPPr>
+              <a:defRPr lang="ja-JP"/>
+            </a:defPPr>
+            <a:lvl1pPr marL="0" algn="l" defTabSz="914400" rtl="0" eaLnBrk="1" latinLnBrk="0" hangingPunct="1">
+              <a:defRPr kumimoji="1" sz="1800" kern="1200">
+                <a:solidFill>
+                  <a:schemeClr val="tx1"/>
+                </a:solidFill>
+                <a:latin typeface="+mn-lt"/>
+                <a:ea typeface="+mn-ea"/>
+                <a:cs typeface="+mn-cs"/>
+              </a:defRPr>
+            </a:lvl1pPr>
+            <a:lvl2pPr marL="457200" algn="l" defTabSz="914400" rtl="0" eaLnBrk="1" latinLnBrk="0" hangingPunct="1">
+              <a:defRPr kumimoji="1" sz="1800" kern="1200">
+                <a:solidFill>
+                  <a:schemeClr val="tx1"/>
+                </a:solidFill>
+                <a:latin typeface="+mn-lt"/>
+                <a:ea typeface="+mn-ea"/>
+                <a:cs typeface="+mn-cs"/>
+              </a:defRPr>
+            </a:lvl2pPr>
+            <a:lvl3pPr marL="914400" algn="l" defTabSz="914400" rtl="0" eaLnBrk="1" latinLnBrk="0" hangingPunct="1">
+              <a:defRPr kumimoji="1" sz="1800" kern="1200">
+                <a:solidFill>
+                  <a:schemeClr val="tx1"/>
+                </a:solidFill>
+                <a:latin typeface="+mn-lt"/>
+                <a:ea typeface="+mn-ea"/>
+                <a:cs typeface="+mn-cs"/>
+              </a:defRPr>
+            </a:lvl3pPr>
+            <a:lvl4pPr marL="1371600" algn="l" defTabSz="914400" rtl="0" eaLnBrk="1" latinLnBrk="0" hangingPunct="1">
+              <a:defRPr kumimoji="1" sz="1800" kern="1200">
+                <a:solidFill>
+                  <a:schemeClr val="tx1"/>
+                </a:solidFill>
+                <a:latin typeface="+mn-lt"/>
+                <a:ea typeface="+mn-ea"/>
+                <a:cs typeface="+mn-cs"/>
+              </a:defRPr>
+            </a:lvl4pPr>
+            <a:lvl5pPr marL="1828800" algn="l" defTabSz="914400" rtl="0" eaLnBrk="1" latinLnBrk="0" hangingPunct="1">
+              <a:defRPr kumimoji="1" sz="1800" kern="1200">
+                <a:solidFill>
+                  <a:schemeClr val="tx1"/>
+                </a:solidFill>
+                <a:latin typeface="+mn-lt"/>
+                <a:ea typeface="+mn-ea"/>
+                <a:cs typeface="+mn-cs"/>
+              </a:defRPr>
+            </a:lvl5pPr>
+            <a:lvl6pPr marL="2286000" algn="l" defTabSz="914400" rtl="0" eaLnBrk="1" latinLnBrk="0" hangingPunct="1">
+              <a:defRPr kumimoji="1" sz="1800" kern="1200">
+                <a:solidFill>
+                  <a:schemeClr val="tx1"/>
+                </a:solidFill>
+                <a:latin typeface="+mn-lt"/>
+                <a:ea typeface="+mn-ea"/>
+                <a:cs typeface="+mn-cs"/>
+              </a:defRPr>
+            </a:lvl6pPr>
+            <a:lvl7pPr marL="2743200" algn="l" defTabSz="914400" rtl="0" eaLnBrk="1" latinLnBrk="0" hangingPunct="1">
+              <a:defRPr kumimoji="1" sz="1800" kern="1200">
+                <a:solidFill>
+                  <a:schemeClr val="tx1"/>
+                </a:solidFill>
+                <a:latin typeface="+mn-lt"/>
+                <a:ea typeface="+mn-ea"/>
+                <a:cs typeface="+mn-cs"/>
+              </a:defRPr>
+            </a:lvl7pPr>
+            <a:lvl8pPr marL="3200400" algn="l" defTabSz="914400" rtl="0" eaLnBrk="1" latinLnBrk="0" hangingPunct="1">
+              <a:defRPr kumimoji="1" sz="1800" kern="1200">
+                <a:solidFill>
+                  <a:schemeClr val="tx1"/>
+                </a:solidFill>
+                <a:latin typeface="+mn-lt"/>
+                <a:ea typeface="+mn-ea"/>
+                <a:cs typeface="+mn-cs"/>
+              </a:defRPr>
+            </a:lvl8pPr>
+            <a:lvl9pPr marL="3657600" algn="l" defTabSz="914400" rtl="0" eaLnBrk="1" latinLnBrk="0" hangingPunct="1">
+              <a:defRPr kumimoji="1" sz="1800" kern="1200">
+                <a:solidFill>
+                  <a:schemeClr val="tx1"/>
+                </a:solidFill>
+                <a:latin typeface="+mn-lt"/>
+                <a:ea typeface="+mn-ea"/>
+                <a:cs typeface="+mn-cs"/>
+              </a:defRPr>
+            </a:lvl9pPr>
+          </a:lstStyle>
+          <a:p>
+            <a:r>
+              <a:rPr lang="af-ZA" dirty="0"/>
+              <a:t>・10</a:t>
+            </a:r>
+            <a:r>
+              <a:rPr lang="ja-JP" altLang="af-ZA"/>
+              <a:t>分て</a:t>
+            </a:r>
+            <a:r>
+              <a:rPr lang="af-ZA" dirty="0"/>
+              <a:t>゙</a:t>
+            </a:r>
+            <a:r>
+              <a:rPr lang="ja-JP" altLang="af-ZA"/>
+              <a:t>振り返るソフトウェアアーキテクチャの歴史</a:t>
+            </a:r>
+            <a:r>
+              <a:rPr lang="af-ZA" dirty="0"/>
+              <a:t>2017</a:t>
+            </a:r>
+            <a:endParaRPr lang="ja-JP" altLang="en-US" dirty="0">
+              <a:ea typeface="ＭＳ Ｐゴシック"/>
+            </a:endParaRPr>
+          </a:p>
+          <a:p>
+            <a:r>
+              <a:rPr lang="af-ZA" dirty="0"/>
+              <a:t>https://speakerdeck.com/takasek/10fen-tezhen-rifan-rusohutoueaakitekutiyafalseli-shi-2017?slide=11</a:t>
+            </a:r>
+            <a:endParaRPr lang="ja-JP" altLang="en-US" dirty="0">
+              <a:ea typeface="ＭＳ Ｐゴシック"/>
+              <a:cs typeface="Calibri"/>
+            </a:endParaRPr>
+          </a:p>
+        </p:txBody>
+      </p:sp>
     </p:spTree>
     <p:extLst>
       <p:ext uri="{BB962C8B-B14F-4D97-AF65-F5344CB8AC3E}">
